--- a/English/5.DAX/4.IFFERROR.pptx
+++ b/English/5.DAX/4.IFFERROR.pptx
@@ -17,7 +17,7 @@
   <p:notesSz cx="6858000" cy="9144000"/>
   <p:defaultTextStyle>
     <a:defPPr>
-      <a:defRPr lang="en-US"/>
+      <a:defRPr lang="en"/>
     </a:defPPr>
     <a:lvl1pPr marL="0" algn="l" defTabSz="914400" rtl="0" eaLnBrk="1" latinLnBrk="0" hangingPunct="1">
       <a:defRPr sz="1800" kern="1200">
@@ -200,7 +200,7 @@
           <a:p>
             <a:fld id="{056BA3B8-9F76-4D81-B71D-76CB85363062}" type="datetimeFigureOut">
               <a:rPr lang="en-US" smtClean="0"/>
-              <a:t>1/3/2025</a:t>
+              <a:t>2/26/2025</a:t>
             </a:fld>
             <a:endParaRPr lang="en-US"/>
           </a:p>
@@ -599,7 +599,7 @@
           <a:p>
             <a:fld id="{6F01DA4D-20EA-48D2-973C-0311EC3005D6}" type="datetimeFigureOut">
               <a:rPr lang="en-US" smtClean="0"/>
-              <a:t>1/3/2025</a:t>
+              <a:t>2/26/2025</a:t>
             </a:fld>
             <a:endParaRPr lang="en-US"/>
           </a:p>
@@ -769,7 +769,7 @@
           <a:p>
             <a:fld id="{6F01DA4D-20EA-48D2-973C-0311EC3005D6}" type="datetimeFigureOut">
               <a:rPr lang="en-US" smtClean="0"/>
-              <a:t>1/3/2025</a:t>
+              <a:t>2/26/2025</a:t>
             </a:fld>
             <a:endParaRPr lang="en-US"/>
           </a:p>
@@ -949,7 +949,7 @@
           <a:p>
             <a:fld id="{6F01DA4D-20EA-48D2-973C-0311EC3005D6}" type="datetimeFigureOut">
               <a:rPr lang="en-US" smtClean="0"/>
-              <a:t>1/3/2025</a:t>
+              <a:t>2/26/2025</a:t>
             </a:fld>
             <a:endParaRPr lang="en-US"/>
           </a:p>
@@ -1119,7 +1119,7 @@
           <a:p>
             <a:fld id="{6F01DA4D-20EA-48D2-973C-0311EC3005D6}" type="datetimeFigureOut">
               <a:rPr lang="en-US" smtClean="0"/>
-              <a:t>1/3/2025</a:t>
+              <a:t>2/26/2025</a:t>
             </a:fld>
             <a:endParaRPr lang="en-US"/>
           </a:p>
@@ -1365,7 +1365,7 @@
           <a:p>
             <a:fld id="{6F01DA4D-20EA-48D2-973C-0311EC3005D6}" type="datetimeFigureOut">
               <a:rPr lang="en-US" smtClean="0"/>
-              <a:t>1/3/2025</a:t>
+              <a:t>2/26/2025</a:t>
             </a:fld>
             <a:endParaRPr lang="en-US"/>
           </a:p>
@@ -1597,7 +1597,7 @@
           <a:p>
             <a:fld id="{6F01DA4D-20EA-48D2-973C-0311EC3005D6}" type="datetimeFigureOut">
               <a:rPr lang="en-US" smtClean="0"/>
-              <a:t>1/3/2025</a:t>
+              <a:t>2/26/2025</a:t>
             </a:fld>
             <a:endParaRPr lang="en-US"/>
           </a:p>
@@ -1964,7 +1964,7 @@
           <a:p>
             <a:fld id="{6F01DA4D-20EA-48D2-973C-0311EC3005D6}" type="datetimeFigureOut">
               <a:rPr lang="en-US" smtClean="0"/>
-              <a:t>1/3/2025</a:t>
+              <a:t>2/26/2025</a:t>
             </a:fld>
             <a:endParaRPr lang="en-US"/>
           </a:p>
@@ -2082,7 +2082,7 @@
           <a:p>
             <a:fld id="{6F01DA4D-20EA-48D2-973C-0311EC3005D6}" type="datetimeFigureOut">
               <a:rPr lang="en-US" smtClean="0"/>
-              <a:t>1/3/2025</a:t>
+              <a:t>2/26/2025</a:t>
             </a:fld>
             <a:endParaRPr lang="en-US"/>
           </a:p>
@@ -2177,7 +2177,7 @@
           <a:p>
             <a:fld id="{6F01DA4D-20EA-48D2-973C-0311EC3005D6}" type="datetimeFigureOut">
               <a:rPr lang="en-US" smtClean="0"/>
-              <a:t>1/3/2025</a:t>
+              <a:t>2/26/2025</a:t>
             </a:fld>
             <a:endParaRPr lang="en-US"/>
           </a:p>
@@ -2454,7 +2454,7 @@
           <a:p>
             <a:fld id="{6F01DA4D-20EA-48D2-973C-0311EC3005D6}" type="datetimeFigureOut">
               <a:rPr lang="en-US" smtClean="0"/>
-              <a:t>1/3/2025</a:t>
+              <a:t>2/26/2025</a:t>
             </a:fld>
             <a:endParaRPr lang="en-US"/>
           </a:p>
@@ -2707,7 +2707,7 @@
           <a:p>
             <a:fld id="{6F01DA4D-20EA-48D2-973C-0311EC3005D6}" type="datetimeFigureOut">
               <a:rPr lang="en-US" smtClean="0"/>
-              <a:t>1/3/2025</a:t>
+              <a:t>2/26/2025</a:t>
             </a:fld>
             <a:endParaRPr lang="en-US"/>
           </a:p>
@@ -2920,7 +2920,7 @@
           <a:p>
             <a:fld id="{6F01DA4D-20EA-48D2-973C-0311EC3005D6}" type="datetimeFigureOut">
               <a:rPr lang="en-US" smtClean="0"/>
-              <a:t>1/3/2025</a:t>
+              <a:t>2/26/2025</a:t>
             </a:fld>
             <a:endParaRPr lang="en-US"/>
           </a:p>
@@ -3355,9 +3355,9 @@
           </a:bodyPr>
           <a:lstStyle/>
           <a:p>
-            <a:pPr algn="ctr"/>
-            <a:r>
-              <a:rPr lang="fr-FR" sz="8000" b="1" dirty="0" smtClean="0">
+            <a:pPr xmlns:a="http://schemas.openxmlformats.org/drawingml/2006/main" algn="ctr"/>
+            <a:r xmlns:a="http://schemas.openxmlformats.org/drawingml/2006/main">
+              <a:rPr lang="en" sz="8000" b="1" dirty="0" smtClean="0">
                 <a:solidFill>
                   <a:srgbClr val="7030A0"/>
                 </a:solidFill>
@@ -3367,7 +3367,7 @@
               </a:rPr>
               <a:t>IFFERROR</a:t>
             </a:r>
-            <a:endParaRPr lang="en-US" sz="8000" b="1" dirty="0">
+            <a:endParaRPr xmlns:a="http://schemas.openxmlformats.org/drawingml/2006/main" lang="en-US" sz="8000" b="1" dirty="0">
               <a:solidFill>
                 <a:srgbClr val="7030A0"/>
               </a:solidFill>
@@ -3400,9 +3400,9 @@
           </a:bodyPr>
           <a:lstStyle/>
           <a:p>
-            <a:pPr algn="ctr"/>
-            <a:r>
-              <a:rPr lang="fr-FR" sz="8000" b="1" dirty="0" smtClean="0">
+            <a:pPr xmlns:a="http://schemas.openxmlformats.org/drawingml/2006/main" algn="ctr"/>
+            <a:r xmlns:a="http://schemas.openxmlformats.org/drawingml/2006/main">
+              <a:rPr lang="en" sz="8000" b="1" dirty="0" smtClean="0">
                 <a:solidFill>
                   <a:schemeClr val="bg1"/>
                 </a:solidFill>
@@ -3412,7 +3412,7 @@
               </a:rPr>
               <a:t>IFFERROR</a:t>
             </a:r>
-            <a:endParaRPr lang="en-US" sz="8000" b="1" dirty="0">
+            <a:endParaRPr xmlns:a="http://schemas.openxmlformats.org/drawingml/2006/main" lang="en-US" sz="8000" b="1" dirty="0">
               <a:solidFill>
                 <a:schemeClr val="bg1"/>
               </a:solidFill>
@@ -3462,7 +3462,7 @@
         <p:spPr>
           <a:xfrm>
             <a:off x="309383" y="261257"/>
-            <a:ext cx="1505733" cy="461665"/>
+            <a:ext cx="1360372" cy="400110"/>
           </a:xfrm>
           <a:prstGeom prst="rect">
             <a:avLst/>
@@ -3475,235 +3475,16 @@
           </a:bodyPr>
           <a:lstStyle/>
           <a:p>
-            <a:r>
-              <a:rPr lang="fr-FR" sz="2400" dirty="0" smtClean="0">
+            <a:r xmlns:a="http://schemas.openxmlformats.org/drawingml/2006/main">
+              <a:rPr lang="en" sz="2000" b="1" dirty="0" smtClean="0">
                 <a:latin typeface="Segoe UI" panose="020B0502040204020203" pitchFamily="34" charset="0"/>
                 <a:cs typeface="Segoe UI" panose="020B0502040204020203" pitchFamily="34" charset="0"/>
               </a:rPr>
               <a:t>IFFERROR</a:t>
             </a:r>
-            <a:endParaRPr lang="en-US" sz="2400" dirty="0">
+            <a:endParaRPr xmlns:a="http://schemas.openxmlformats.org/drawingml/2006/main" lang="en-US" sz="2000" b="1" dirty="0">
               <a:latin typeface="Segoe UI" panose="020B0502040204020203" pitchFamily="34" charset="0"/>
               <a:cs typeface="Segoe UI" panose="020B0502040204020203" pitchFamily="34" charset="0"/>
-            </a:endParaRPr>
-          </a:p>
-        </p:txBody>
-      </p:sp>
-      <p:sp>
-        <p:nvSpPr>
-          <p:cNvPr id="5" name="Rectangle 4"/>
-          <p:cNvSpPr/>
-          <p:nvPr/>
-        </p:nvSpPr>
-        <p:spPr>
-          <a:xfrm>
-            <a:off x="383822" y="777894"/>
-            <a:ext cx="10871200" cy="366895"/>
-          </a:xfrm>
-          <a:prstGeom prst="rect">
-            <a:avLst/>
-          </a:prstGeom>
-        </p:spPr>
-        <p:txBody>
-          <a:bodyPr wrap="square">
-            <a:spAutoFit/>
-          </a:bodyPr>
-          <a:lstStyle/>
-          <a:p>
-            <a:pPr>
-              <a:lnSpc>
-                <a:spcPct val="107000"/>
-              </a:lnSpc>
-              <a:spcBef>
-                <a:spcPts val="1200"/>
-              </a:spcBef>
-              <a:spcAft>
-                <a:spcPts val="0"/>
-              </a:spcAft>
-            </a:pPr>
-            <a:r>
-              <a:rPr lang="en-US" b="1" kern="0" dirty="0" smtClean="0">
-                <a:latin typeface="Segoe UI" panose="020B0502040204020203" pitchFamily="34" charset="0"/>
-                <a:ea typeface="Times New Roman" panose="02020603050405020304" pitchFamily="18" charset="0"/>
-                <a:cs typeface="Times New Roman" panose="02020603050405020304" pitchFamily="18" charset="0"/>
-              </a:rPr>
-              <a:t>Note: </a:t>
-            </a:r>
-            <a:r>
-              <a:rPr lang="en-US" kern="0" dirty="0" smtClean="0">
-                <a:latin typeface="Segoe UI" panose="020B0502040204020203" pitchFamily="34" charset="0"/>
-                <a:ea typeface="Times New Roman" panose="02020603050405020304" pitchFamily="18" charset="0"/>
-                <a:cs typeface="Times New Roman" panose="02020603050405020304" pitchFamily="18" charset="0"/>
-              </a:rPr>
-              <a:t>This demo uses the </a:t>
-            </a:r>
-            <a:r>
-              <a:rPr lang="en-US" b="1" kern="0" dirty="0" err="1" smtClean="0">
-                <a:latin typeface="Segoe UI" panose="020B0502040204020203" pitchFamily="34" charset="0"/>
-                <a:ea typeface="Times New Roman" panose="02020603050405020304" pitchFamily="18" charset="0"/>
-                <a:cs typeface="Times New Roman" panose="02020603050405020304" pitchFamily="18" charset="0"/>
-              </a:rPr>
-              <a:t>FactInternetSales</a:t>
-            </a:r>
-            <a:r>
-              <a:rPr lang="en-US" b="1" kern="0" dirty="0" smtClean="0">
-                <a:latin typeface="Segoe UI" panose="020B0502040204020203" pitchFamily="34" charset="0"/>
-                <a:ea typeface="Times New Roman" panose="02020603050405020304" pitchFamily="18" charset="0"/>
-                <a:cs typeface="Times New Roman" panose="02020603050405020304" pitchFamily="18" charset="0"/>
-              </a:rPr>
-              <a:t> table from the Adventureworks2016 </a:t>
-            </a:r>
-            <a:r>
-              <a:rPr lang="en-US" kern="0" dirty="0" smtClean="0">
-                <a:latin typeface="Segoe UI" panose="020B0502040204020203" pitchFamily="34" charset="0"/>
-                <a:ea typeface="Times New Roman" panose="02020603050405020304" pitchFamily="18" charset="0"/>
-                <a:cs typeface="Times New Roman" panose="02020603050405020304" pitchFamily="18" charset="0"/>
-              </a:rPr>
-              <a:t>database</a:t>
-            </a:r>
-            <a:endParaRPr lang="en-US" sz="2800" b="1" kern="0" dirty="0">
-              <a:effectLst/>
-              <a:latin typeface="Segoe UI" panose="020B0502040204020203" pitchFamily="34" charset="0"/>
-              <a:ea typeface="Times New Roman" panose="02020603050405020304" pitchFamily="18" charset="0"/>
-              <a:cs typeface="Times New Roman" panose="02020603050405020304" pitchFamily="18" charset="0"/>
-            </a:endParaRPr>
-          </a:p>
-        </p:txBody>
-      </p:sp>
-      <p:sp>
-        <p:nvSpPr>
-          <p:cNvPr id="7" name="Rectangle 6"/>
-          <p:cNvSpPr/>
-          <p:nvPr/>
-        </p:nvSpPr>
-        <p:spPr>
-          <a:xfrm>
-            <a:off x="435521" y="1276029"/>
-            <a:ext cx="6848413" cy="388696"/>
-          </a:xfrm>
-          <a:prstGeom prst="rect">
-            <a:avLst/>
-          </a:prstGeom>
-        </p:spPr>
-        <p:txBody>
-          <a:bodyPr wrap="none">
-            <a:spAutoFit/>
-          </a:bodyPr>
-          <a:lstStyle/>
-          <a:p>
-            <a:pPr lvl="0">
-              <a:lnSpc>
-                <a:spcPct val="107000"/>
-              </a:lnSpc>
-              <a:spcAft>
-                <a:spcPts val="800"/>
-              </a:spcAft>
-            </a:pPr>
-            <a:r>
-              <a:rPr lang="en-US" dirty="0" smtClean="0">
-                <a:latin typeface="Segoe UI" panose="020B0502040204020203" pitchFamily="34" charset="0"/>
-                <a:ea typeface="Calibri" panose="020F0502020204030204" pitchFamily="34" charset="0"/>
-                <a:cs typeface="Times New Roman" panose="02020603050405020304" pitchFamily="18" charset="0"/>
-              </a:rPr>
-              <a:t>Start by creating a calculated column that calculates profit margin</a:t>
-            </a:r>
-            <a:endParaRPr lang="en-US" sz="1400" dirty="0">
-              <a:effectLst/>
-              <a:latin typeface="Calibri" panose="020F0502020204030204" pitchFamily="34" charset="0"/>
-              <a:ea typeface="Calibri" panose="020F0502020204030204" pitchFamily="34" charset="0"/>
-              <a:cs typeface="Times New Roman" panose="02020603050405020304" pitchFamily="18" charset="0"/>
-            </a:endParaRPr>
-          </a:p>
-        </p:txBody>
-      </p:sp>
-      <p:sp>
-        <p:nvSpPr>
-          <p:cNvPr id="9" name="Rectangle 8"/>
-          <p:cNvSpPr/>
-          <p:nvPr/>
-        </p:nvSpPr>
-        <p:spPr>
-          <a:xfrm>
-            <a:off x="435521" y="2784940"/>
-            <a:ext cx="9248775" cy="373692"/>
-          </a:xfrm>
-          <a:prstGeom prst="rect">
-            <a:avLst/>
-          </a:prstGeom>
-        </p:spPr>
-        <p:txBody>
-          <a:bodyPr wrap="square">
-            <a:spAutoFit/>
-          </a:bodyPr>
-          <a:lstStyle/>
-          <a:p>
-            <a:pPr lvl="0">
-              <a:lnSpc>
-                <a:spcPct val="107000"/>
-              </a:lnSpc>
-              <a:spcAft>
-                <a:spcPts val="800"/>
-              </a:spcAft>
-            </a:pPr>
-            <a:r>
-              <a:rPr lang="en-US" dirty="0" smtClean="0">
-                <a:latin typeface="Segoe UI" panose="020B0502040204020203" pitchFamily="34" charset="0"/>
-                <a:ea typeface="Calibri" panose="020F0502020204030204" pitchFamily="34" charset="0"/>
-                <a:cs typeface="Times New Roman" panose="02020603050405020304" pitchFamily="18" charset="0"/>
-              </a:rPr>
-              <a:t>Trying to cause a divide by zero operation by rounding the standard cost of the product</a:t>
-            </a:r>
-            <a:endParaRPr lang="en-US" sz="1400" dirty="0">
-              <a:effectLst/>
-              <a:latin typeface="Calibri" panose="020F0502020204030204" pitchFamily="34" charset="0"/>
-              <a:ea typeface="Calibri" panose="020F0502020204030204" pitchFamily="34" charset="0"/>
-              <a:cs typeface="Times New Roman" panose="02020603050405020304" pitchFamily="18" charset="0"/>
-            </a:endParaRPr>
-          </a:p>
-        </p:txBody>
-      </p:sp>
-      <p:sp>
-        <p:nvSpPr>
-          <p:cNvPr id="11" name="Rectangle 10"/>
-          <p:cNvSpPr/>
-          <p:nvPr/>
-        </p:nvSpPr>
-        <p:spPr>
-          <a:xfrm>
-            <a:off x="499180" y="4270002"/>
-            <a:ext cx="9426222" cy="373692"/>
-          </a:xfrm>
-          <a:prstGeom prst="rect">
-            <a:avLst/>
-          </a:prstGeom>
-        </p:spPr>
-        <p:txBody>
-          <a:bodyPr wrap="square">
-            <a:spAutoFit/>
-          </a:bodyPr>
-          <a:lstStyle/>
-          <a:p>
-            <a:pPr lvl="0">
-              <a:lnSpc>
-                <a:spcPct val="107000"/>
-              </a:lnSpc>
-              <a:spcAft>
-                <a:spcPts val="800"/>
-              </a:spcAft>
-            </a:pPr>
-            <a:r>
-              <a:rPr lang="en-US" dirty="0" smtClean="0">
-                <a:latin typeface="Segoe UI" panose="020B0502040204020203" pitchFamily="34" charset="0"/>
-                <a:ea typeface="Calibri" panose="020F0502020204030204" pitchFamily="34" charset="0"/>
-                <a:cs typeface="Times New Roman" panose="02020603050405020304" pitchFamily="18" charset="0"/>
-              </a:rPr>
-              <a:t>Note that among the values mentioned there are infinity symbols</a:t>
-            </a:r>
-            <a:endParaRPr lang="en-US" sz="1400" dirty="0">
-              <a:effectLst/>
-              <a:latin typeface="Calibri" panose="020F0502020204030204" pitchFamily="34" charset="0"/>
-              <a:ea typeface="Calibri" panose="020F0502020204030204" pitchFamily="34" charset="0"/>
-              <a:cs typeface="Times New Roman" panose="02020603050405020304" pitchFamily="18" charset="0"/>
             </a:endParaRPr>
           </a:p>
         </p:txBody>
@@ -3729,164 +3510,164 @@
           </a:bodyPr>
           <a:lstStyle/>
           <a:p>
-            <a:r>
-              <a:rPr lang="en-US" dirty="0">
+            <a:r xmlns:a="http://schemas.openxmlformats.org/drawingml/2006/main">
+              <a:rPr lang="en" dirty="0">
                 <a:solidFill>
                   <a:srgbClr val="000000"/>
                 </a:solidFill>
                 <a:latin typeface="Consolas" panose="020B0609020204030204" pitchFamily="49" charset="0"/>
               </a:rPr>
-              <a:t>Profit Margin = </a:t>
-            </a:r>
-          </a:p>
-          <a:p>
-            <a:r>
-              <a:rPr lang="en-US" dirty="0">
+              <a:t>Profit Margin =</a:t>
+            </a:r>
+          </a:p>
+          <a:p>
+            <a:r xmlns:a="http://schemas.openxmlformats.org/drawingml/2006/main">
+              <a:rPr lang="en" dirty="0">
                 <a:solidFill>
                   <a:srgbClr val="000000"/>
                 </a:solidFill>
                 <a:latin typeface="Consolas" panose="020B0609020204030204" pitchFamily="49" charset="0"/>
               </a:rPr>
-              <a:t>    (</a:t>
-            </a:r>
-            <a:r>
-              <a:rPr lang="en-US" dirty="0" err="1">
+              <a:t>( </a:t>
+            </a:r>
+            <a:r xmlns:a="http://schemas.openxmlformats.org/drawingml/2006/main">
+              <a:rPr lang="en" dirty="0" err="1">
                 <a:solidFill>
                   <a:srgbClr val="001080"/>
                 </a:solidFill>
                 <a:latin typeface="Consolas" panose="020B0609020204030204" pitchFamily="49" charset="0"/>
               </a:rPr>
-              <a:t>FactInternetSales</a:t>
-            </a:r>
-            <a:r>
-              <a:rPr lang="en-US" dirty="0">
+              <a:t>FactInternetSales </a:t>
+            </a:r>
+            <a:r xmlns:a="http://schemas.openxmlformats.org/drawingml/2006/main">
+              <a:rPr lang="en" dirty="0">
                 <a:solidFill>
                   <a:srgbClr val="001080"/>
                 </a:solidFill>
                 <a:latin typeface="Consolas" panose="020B0609020204030204" pitchFamily="49" charset="0"/>
               </a:rPr>
-              <a:t>[</a:t>
-            </a:r>
-            <a:r>
-              <a:rPr lang="en-US" dirty="0" err="1">
+              <a:t>[ </a:t>
+            </a:r>
+            <a:r xmlns:a="http://schemas.openxmlformats.org/drawingml/2006/main">
+              <a:rPr lang="en" dirty="0" err="1">
                 <a:solidFill>
                   <a:srgbClr val="001080"/>
                 </a:solidFill>
                 <a:latin typeface="Consolas" panose="020B0609020204030204" pitchFamily="49" charset="0"/>
               </a:rPr>
-              <a:t>UnitPrice</a:t>
-            </a:r>
-            <a:r>
-              <a:rPr lang="en-US" dirty="0">
+              <a:t>UnitPrice </a:t>
+            </a:r>
+            <a:r xmlns:a="http://schemas.openxmlformats.org/drawingml/2006/main">
+              <a:rPr lang="en" dirty="0">
                 <a:solidFill>
                   <a:srgbClr val="001080"/>
                 </a:solidFill>
                 <a:latin typeface="Consolas" panose="020B0609020204030204" pitchFamily="49" charset="0"/>
               </a:rPr>
+              <a:t>] </a:t>
+            </a:r>
+            <a:r xmlns:a="http://schemas.openxmlformats.org/drawingml/2006/main">
+              <a:rPr lang="en" dirty="0">
+                <a:solidFill>
+                  <a:srgbClr val="000000"/>
+                </a:solidFill>
+                <a:latin typeface="Consolas" panose="020B0609020204030204" pitchFamily="49" charset="0"/>
+              </a:rPr>
+              <a:t>- </a:t>
+            </a:r>
+            <a:r xmlns:a="http://schemas.openxmlformats.org/drawingml/2006/main">
+              <a:rPr lang="en" dirty="0" err="1">
+                <a:solidFill>
+                  <a:srgbClr val="001080"/>
+                </a:solidFill>
+                <a:latin typeface="Consolas" panose="020B0609020204030204" pitchFamily="49" charset="0"/>
+              </a:rPr>
+              <a:t>FactInternetSales </a:t>
+            </a:r>
+            <a:r xmlns:a="http://schemas.openxmlformats.org/drawingml/2006/main">
+              <a:rPr lang="en" dirty="0">
+                <a:solidFill>
+                  <a:srgbClr val="001080"/>
+                </a:solidFill>
+                <a:latin typeface="Consolas" panose="020B0609020204030204" pitchFamily="49" charset="0"/>
+              </a:rPr>
+              <a:t>[ </a:t>
+            </a:r>
+            <a:r xmlns:a="http://schemas.openxmlformats.org/drawingml/2006/main">
+              <a:rPr lang="en" dirty="0" err="1">
+                <a:solidFill>
+                  <a:srgbClr val="001080"/>
+                </a:solidFill>
+                <a:latin typeface="Consolas" panose="020B0609020204030204" pitchFamily="49" charset="0"/>
+              </a:rPr>
+              <a:t>ProductStandardCost </a:t>
+            </a:r>
+            <a:r xmlns:a="http://schemas.openxmlformats.org/drawingml/2006/main">
+              <a:rPr lang="en" dirty="0">
+                <a:solidFill>
+                  <a:srgbClr val="001080"/>
+                </a:solidFill>
+                <a:latin typeface="Consolas" panose="020B0609020204030204" pitchFamily="49" charset="0"/>
+              </a:rPr>
+              <a:t>] </a:t>
+            </a:r>
+            <a:r xmlns:a="http://schemas.openxmlformats.org/drawingml/2006/main">
+              <a:rPr lang="en" dirty="0">
+                <a:solidFill>
+                  <a:srgbClr val="000000"/>
+                </a:solidFill>
+                <a:latin typeface="Consolas" panose="020B0609020204030204" pitchFamily="49" charset="0"/>
+              </a:rPr>
+              <a:t>)</a:t>
+            </a:r>
+          </a:p>
+          <a:p>
+            <a:r xmlns:a="http://schemas.openxmlformats.org/drawingml/2006/main">
+              <a:rPr lang="en" dirty="0">
+                <a:solidFill>
+                  <a:srgbClr val="000000"/>
+                </a:solidFill>
+                <a:latin typeface="Consolas" panose="020B0609020204030204" pitchFamily="49" charset="0"/>
+              </a:rPr>
+              <a:t>/ </a:t>
+            </a:r>
+            <a:r xmlns:a="http://schemas.openxmlformats.org/drawingml/2006/main">
+              <a:rPr lang="en" dirty="0" err="1">
+                <a:solidFill>
+                  <a:srgbClr val="001080"/>
+                </a:solidFill>
+                <a:latin typeface="Consolas" panose="020B0609020204030204" pitchFamily="49" charset="0"/>
+              </a:rPr>
+              <a:t>FactInternetSales </a:t>
+            </a:r>
+            <a:r xmlns:a="http://schemas.openxmlformats.org/drawingml/2006/main">
+              <a:rPr lang="en" dirty="0">
+                <a:solidFill>
+                  <a:srgbClr val="001080"/>
+                </a:solidFill>
+                <a:latin typeface="Consolas" panose="020B0609020204030204" pitchFamily="49" charset="0"/>
+              </a:rPr>
+              <a:t>[ </a:t>
+            </a:r>
+            <a:r xmlns:a="http://schemas.openxmlformats.org/drawingml/2006/main">
+              <a:rPr lang="en" dirty="0" err="1">
+                <a:solidFill>
+                  <a:srgbClr val="001080"/>
+                </a:solidFill>
+                <a:latin typeface="Consolas" panose="020B0609020204030204" pitchFamily="49" charset="0"/>
+              </a:rPr>
+              <a:t>ProductStandardCost </a:t>
+            </a:r>
+            <a:r xmlns:a="http://schemas.openxmlformats.org/drawingml/2006/main">
+              <a:rPr lang="en" dirty="0">
+                <a:solidFill>
+                  <a:srgbClr val="001080"/>
+                </a:solidFill>
+                <a:latin typeface="Consolas" panose="020B0609020204030204" pitchFamily="49" charset="0"/>
+              </a:rPr>
               <a:t>]</a:t>
             </a:r>
-            <a:r>
-              <a:rPr lang="en-US" dirty="0">
-                <a:solidFill>
-                  <a:srgbClr val="000000"/>
-                </a:solidFill>
-                <a:latin typeface="Consolas" panose="020B0609020204030204" pitchFamily="49" charset="0"/>
-              </a:rPr>
-              <a:t> - </a:t>
-            </a:r>
-            <a:r>
-              <a:rPr lang="en-US" dirty="0" err="1">
-                <a:solidFill>
-                  <a:srgbClr val="001080"/>
-                </a:solidFill>
-                <a:latin typeface="Consolas" panose="020B0609020204030204" pitchFamily="49" charset="0"/>
-              </a:rPr>
-              <a:t>FactInternetSales</a:t>
-            </a:r>
-            <a:r>
-              <a:rPr lang="en-US" dirty="0">
-                <a:solidFill>
-                  <a:srgbClr val="001080"/>
-                </a:solidFill>
-                <a:latin typeface="Consolas" panose="020B0609020204030204" pitchFamily="49" charset="0"/>
-              </a:rPr>
-              <a:t>[</a:t>
-            </a:r>
-            <a:r>
-              <a:rPr lang="en-US" dirty="0" err="1">
-                <a:solidFill>
-                  <a:srgbClr val="001080"/>
-                </a:solidFill>
-                <a:latin typeface="Consolas" panose="020B0609020204030204" pitchFamily="49" charset="0"/>
-              </a:rPr>
-              <a:t>ProductStandardCost</a:t>
-            </a:r>
-            <a:r>
-              <a:rPr lang="en-US" dirty="0">
-                <a:solidFill>
-                  <a:srgbClr val="001080"/>
-                </a:solidFill>
-                <a:latin typeface="Consolas" panose="020B0609020204030204" pitchFamily="49" charset="0"/>
-              </a:rPr>
-              <a:t>]</a:t>
-            </a:r>
-            <a:r>
-              <a:rPr lang="en-US" dirty="0">
-                <a:solidFill>
-                  <a:srgbClr val="000000"/>
-                </a:solidFill>
-                <a:latin typeface="Consolas" panose="020B0609020204030204" pitchFamily="49" charset="0"/>
-              </a:rPr>
-              <a:t>)</a:t>
-            </a:r>
-          </a:p>
-          <a:p>
-            <a:r>
-              <a:rPr lang="en-US" dirty="0">
-                <a:solidFill>
-                  <a:srgbClr val="000000"/>
-                </a:solidFill>
-                <a:latin typeface="Consolas" panose="020B0609020204030204" pitchFamily="49" charset="0"/>
-              </a:rPr>
-              <a:t>    /</a:t>
-            </a:r>
-            <a:r>
-              <a:rPr lang="en-US" dirty="0" err="1">
-                <a:solidFill>
-                  <a:srgbClr val="001080"/>
-                </a:solidFill>
-                <a:latin typeface="Consolas" panose="020B0609020204030204" pitchFamily="49" charset="0"/>
-              </a:rPr>
-              <a:t>FactInternetSales</a:t>
-            </a:r>
-            <a:r>
-              <a:rPr lang="en-US" dirty="0">
-                <a:solidFill>
-                  <a:srgbClr val="001080"/>
-                </a:solidFill>
-                <a:latin typeface="Consolas" panose="020B0609020204030204" pitchFamily="49" charset="0"/>
-              </a:rPr>
-              <a:t>[</a:t>
-            </a:r>
-            <a:r>
-              <a:rPr lang="en-US" dirty="0" err="1">
-                <a:solidFill>
-                  <a:srgbClr val="001080"/>
-                </a:solidFill>
-                <a:latin typeface="Consolas" panose="020B0609020204030204" pitchFamily="49" charset="0"/>
-              </a:rPr>
-              <a:t>ProductStandardCost</a:t>
-            </a:r>
-            <a:r>
-              <a:rPr lang="en-US" dirty="0">
-                <a:solidFill>
-                  <a:srgbClr val="001080"/>
-                </a:solidFill>
-                <a:latin typeface="Consolas" panose="020B0609020204030204" pitchFamily="49" charset="0"/>
-              </a:rPr>
-              <a:t>]</a:t>
-            </a:r>
-            <a:endParaRPr lang="en-US" b="0" dirty="0">
+            <a:endParaRPr xmlns:a="http://schemas.openxmlformats.org/drawingml/2006/main" lang="en-US" b="0" dirty="0">
               <a:solidFill>
                 <a:srgbClr val="000000"/>
               </a:solidFill>
@@ -3917,55 +3698,55 @@
           </a:bodyPr>
           <a:lstStyle/>
           <a:p>
-            <a:r>
-              <a:rPr lang="en-US" dirty="0">
+            <a:r xmlns:a="http://schemas.openxmlformats.org/drawingml/2006/main">
+              <a:rPr lang="en" dirty="0">
                 <a:solidFill>
                   <a:srgbClr val="000000"/>
                 </a:solidFill>
                 <a:latin typeface="Consolas" panose="020B0609020204030204" pitchFamily="49" charset="0"/>
               </a:rPr>
-              <a:t>Profit Margin = </a:t>
-            </a:r>
-          </a:p>
-          <a:p>
-            <a:r>
-              <a:rPr lang="en-US" dirty="0">
+              <a:t>Profit Margin =</a:t>
+            </a:r>
+          </a:p>
+          <a:p>
+            <a:r xmlns:a="http://schemas.openxmlformats.org/drawingml/2006/main">
+              <a:rPr lang="en" dirty="0">
                 <a:solidFill>
                   <a:srgbClr val="000000"/>
                 </a:solidFill>
                 <a:latin typeface="Consolas" panose="020B0609020204030204" pitchFamily="49" charset="0"/>
               </a:rPr>
-              <a:t>    (</a:t>
-            </a:r>
-            <a:r>
-              <a:rPr lang="en-US" dirty="0" err="1">
+              <a:t>( </a:t>
+            </a:r>
+            <a:r xmlns:a="http://schemas.openxmlformats.org/drawingml/2006/main">
+              <a:rPr lang="en" dirty="0" err="1">
                 <a:solidFill>
                   <a:srgbClr val="001080"/>
                 </a:solidFill>
                 <a:latin typeface="Consolas" panose="020B0609020204030204" pitchFamily="49" charset="0"/>
               </a:rPr>
-              <a:t>FactInternetSales</a:t>
-            </a:r>
-            <a:r>
-              <a:rPr lang="en-US" dirty="0">
+              <a:t>FactInternetSales </a:t>
+            </a:r>
+            <a:r xmlns:a="http://schemas.openxmlformats.org/drawingml/2006/main">
+              <a:rPr lang="en" dirty="0">
                 <a:solidFill>
                   <a:srgbClr val="001080"/>
                 </a:solidFill>
                 <a:latin typeface="Consolas" panose="020B0609020204030204" pitchFamily="49" charset="0"/>
               </a:rPr>
-              <a:t>[</a:t>
-            </a:r>
-            <a:r>
-              <a:rPr lang="en-US" dirty="0" err="1">
+              <a:t>[ </a:t>
+            </a:r>
+            <a:r xmlns:a="http://schemas.openxmlformats.org/drawingml/2006/main">
+              <a:rPr lang="en" dirty="0" err="1">
                 <a:solidFill>
                   <a:srgbClr val="001080"/>
                 </a:solidFill>
                 <a:latin typeface="Consolas" panose="020B0609020204030204" pitchFamily="49" charset="0"/>
               </a:rPr>
-              <a:t>UnitPrice</a:t>
-            </a:r>
-            <a:r>
-              <a:rPr lang="en-US" dirty="0">
+              <a:t>UnitPrice </a:t>
+            </a:r>
+            <a:r xmlns:a="http://schemas.openxmlformats.org/drawingml/2006/main">
+              <a:rPr lang="en" dirty="0">
                 <a:solidFill>
                   <a:srgbClr val="001080"/>
                 </a:solidFill>
@@ -3973,8 +3754,8 @@
               </a:rPr>
               <a:t>]</a:t>
             </a:r>
-            <a:r>
-              <a:rPr lang="en-US" dirty="0">
+            <a:r xmlns:a="http://schemas.openxmlformats.org/drawingml/2006/main">
+              <a:rPr lang="en" dirty="0">
                 <a:solidFill>
                   <a:srgbClr val="000000"/>
                 </a:solidFill>
@@ -3982,62 +3763,62 @@
               </a:rPr>
               <a:t> </a:t>
             </a:r>
-            <a:r>
-              <a:rPr lang="en-US" dirty="0" smtClean="0">
+            <a:r xmlns:a="http://schemas.openxmlformats.org/drawingml/2006/main">
+              <a:rPr lang="en" dirty="0" smtClean="0">
                 <a:solidFill>
                   <a:srgbClr val="3165BB"/>
                 </a:solidFill>
                 <a:latin typeface="Consolas" panose="020B0609020204030204" pitchFamily="49" charset="0"/>
               </a:rPr>
-              <a:t>INT</a:t>
-            </a:r>
-            <a:r>
-              <a:rPr lang="en-US" dirty="0" smtClean="0">
+              <a:t>INT </a:t>
+            </a:r>
+            <a:r xmlns:a="http://schemas.openxmlformats.org/drawingml/2006/main">
+              <a:rPr lang="en" dirty="0" smtClean="0">
                 <a:solidFill>
                   <a:srgbClr val="000000"/>
                 </a:solidFill>
                 <a:latin typeface="Consolas" panose="020B0609020204030204" pitchFamily="49" charset="0"/>
               </a:rPr>
-              <a:t>(</a:t>
-            </a:r>
-            <a:r>
-              <a:rPr lang="en-US" dirty="0" err="1" smtClean="0">
+              <a:t>( </a:t>
+            </a:r>
+            <a:r xmlns:a="http://schemas.openxmlformats.org/drawingml/2006/main">
+              <a:rPr lang="en" dirty="0" err="1" smtClean="0">
                 <a:solidFill>
                   <a:srgbClr val="001080"/>
                 </a:solidFill>
                 <a:latin typeface="Consolas" panose="020B0609020204030204" pitchFamily="49" charset="0"/>
               </a:rPr>
-              <a:t>FactInternetSales</a:t>
-            </a:r>
-            <a:r>
-              <a:rPr lang="en-US" dirty="0" smtClean="0">
+              <a:t>FactInternetSales </a:t>
+            </a:r>
+            <a:r xmlns:a="http://schemas.openxmlformats.org/drawingml/2006/main">
+              <a:rPr lang="en" dirty="0" smtClean="0">
                 <a:solidFill>
                   <a:srgbClr val="001080"/>
                 </a:solidFill>
                 <a:latin typeface="Consolas" panose="020B0609020204030204" pitchFamily="49" charset="0"/>
               </a:rPr>
-              <a:t>[</a:t>
-            </a:r>
-            <a:r>
-              <a:rPr lang="en-US" dirty="0" err="1" smtClean="0">
+              <a:t>[ </a:t>
+            </a:r>
+            <a:r xmlns:a="http://schemas.openxmlformats.org/drawingml/2006/main">
+              <a:rPr lang="en" dirty="0" err="1" smtClean="0">
                 <a:solidFill>
                   <a:srgbClr val="001080"/>
                 </a:solidFill>
                 <a:latin typeface="Consolas" panose="020B0609020204030204" pitchFamily="49" charset="0"/>
               </a:rPr>
-              <a:t>ProductStandardCost</a:t>
-            </a:r>
-            <a:r>
-              <a:rPr lang="en-US" dirty="0">
+              <a:t>ProductStandardCost </a:t>
+            </a:r>
+            <a:r xmlns:a="http://schemas.openxmlformats.org/drawingml/2006/main">
+              <a:rPr lang="en" dirty="0">
                 <a:solidFill>
                   <a:srgbClr val="001080"/>
                 </a:solidFill>
                 <a:latin typeface="Consolas" panose="020B0609020204030204" pitchFamily="49" charset="0"/>
               </a:rPr>
-              <a:t>]</a:t>
-            </a:r>
-            <a:r>
-              <a:rPr lang="en-US" dirty="0">
+              <a:t>] </a:t>
+            </a:r>
+            <a:r xmlns:a="http://schemas.openxmlformats.org/drawingml/2006/main">
+              <a:rPr lang="en" dirty="0">
                 <a:solidFill>
                   <a:srgbClr val="000000"/>
                 </a:solidFill>
@@ -4047,71 +3828,71 @@
             </a:r>
           </a:p>
           <a:p>
-            <a:r>
-              <a:rPr lang="en-US" dirty="0">
+            <a:r xmlns:a="http://schemas.openxmlformats.org/drawingml/2006/main">
+              <a:rPr lang="en" dirty="0">
                 <a:solidFill>
                   <a:srgbClr val="000000"/>
                 </a:solidFill>
                 <a:latin typeface="Consolas" panose="020B0609020204030204" pitchFamily="49" charset="0"/>
               </a:rPr>
-              <a:t>    /</a:t>
-            </a:r>
-            <a:r>
-              <a:rPr lang="en-US" dirty="0">
+              <a:t>/ </a:t>
+            </a:r>
+            <a:r xmlns:a="http://schemas.openxmlformats.org/drawingml/2006/main">
+              <a:rPr lang="en" dirty="0">
                 <a:solidFill>
                   <a:srgbClr val="3165BB"/>
                 </a:solidFill>
                 <a:latin typeface="Consolas" panose="020B0609020204030204" pitchFamily="49" charset="0"/>
               </a:rPr>
-              <a:t>INT</a:t>
-            </a:r>
-            <a:r>
-              <a:rPr lang="en-US" dirty="0">
+              <a:t>INT </a:t>
+            </a:r>
+            <a:r xmlns:a="http://schemas.openxmlformats.org/drawingml/2006/main">
+              <a:rPr lang="en" dirty="0">
                 <a:solidFill>
                   <a:srgbClr val="000000"/>
                 </a:solidFill>
                 <a:latin typeface="Consolas" panose="020B0609020204030204" pitchFamily="49" charset="0"/>
               </a:rPr>
-              <a:t>(</a:t>
-            </a:r>
-            <a:r>
-              <a:rPr lang="en-US" dirty="0" err="1">
+              <a:t>( </a:t>
+            </a:r>
+            <a:r xmlns:a="http://schemas.openxmlformats.org/drawingml/2006/main">
+              <a:rPr lang="en" dirty="0" err="1">
                 <a:solidFill>
                   <a:srgbClr val="001080"/>
                 </a:solidFill>
                 <a:latin typeface="Consolas" panose="020B0609020204030204" pitchFamily="49" charset="0"/>
               </a:rPr>
-              <a:t>FactInternetSales</a:t>
-            </a:r>
-            <a:r>
-              <a:rPr lang="en-US" dirty="0">
+              <a:t>FactInternetSales </a:t>
+            </a:r>
+            <a:r xmlns:a="http://schemas.openxmlformats.org/drawingml/2006/main">
+              <a:rPr lang="en" dirty="0">
                 <a:solidFill>
                   <a:srgbClr val="001080"/>
                 </a:solidFill>
                 <a:latin typeface="Consolas" panose="020B0609020204030204" pitchFamily="49" charset="0"/>
               </a:rPr>
-              <a:t>[</a:t>
-            </a:r>
-            <a:r>
-              <a:rPr lang="en-US" dirty="0" err="1">
+              <a:t>[ </a:t>
+            </a:r>
+            <a:r xmlns:a="http://schemas.openxmlformats.org/drawingml/2006/main">
+              <a:rPr lang="en" dirty="0" err="1">
                 <a:solidFill>
                   <a:srgbClr val="001080"/>
                 </a:solidFill>
                 <a:latin typeface="Consolas" panose="020B0609020204030204" pitchFamily="49" charset="0"/>
               </a:rPr>
-              <a:t>ProductStandardCost</a:t>
-            </a:r>
-            <a:r>
-              <a:rPr lang="en-US" dirty="0">
+              <a:t>ProductStandardCost </a:t>
+            </a:r>
+            <a:r xmlns:a="http://schemas.openxmlformats.org/drawingml/2006/main">
+              <a:rPr lang="en" dirty="0">
                 <a:solidFill>
                   <a:srgbClr val="001080"/>
                 </a:solidFill>
                 <a:latin typeface="Consolas" panose="020B0609020204030204" pitchFamily="49" charset="0"/>
               </a:rPr>
-              <a:t>]</a:t>
-            </a:r>
-            <a:r>
-              <a:rPr lang="en-US" dirty="0">
+              <a:t>] </a:t>
+            </a:r>
+            <a:r xmlns:a="http://schemas.openxmlformats.org/drawingml/2006/main">
+              <a:rPr lang="en" dirty="0">
                 <a:solidFill>
                   <a:srgbClr val="000000"/>
                 </a:solidFill>
@@ -4119,7 +3900,7 @@
               </a:rPr>
               <a:t>)</a:t>
             </a:r>
-            <a:endParaRPr lang="en-US" b="0" dirty="0">
+            <a:endParaRPr xmlns:a="http://schemas.openxmlformats.org/drawingml/2006/main" lang="en-US" b="0" dirty="0">
               <a:solidFill>
                 <a:srgbClr val="000000"/>
               </a:solidFill>
@@ -4196,6 +3977,204 @@
           </a:effectLst>
         </p:spPr>
       </p:pic>
+      <p:sp>
+        <p:nvSpPr>
+          <p:cNvPr id="4" name="Rectangle 3"/>
+          <p:cNvSpPr/>
+          <p:nvPr/>
+        </p:nvSpPr>
+        <p:spPr>
+          <a:xfrm>
+            <a:off x="435520" y="732892"/>
+            <a:ext cx="10576791" cy="400110"/>
+          </a:xfrm>
+          <a:prstGeom prst="rect">
+            <a:avLst/>
+          </a:prstGeom>
+        </p:spPr>
+        <p:txBody>
+          <a:bodyPr wrap="square">
+            <a:spAutoFit/>
+          </a:bodyPr>
+          <a:lstStyle/>
+          <a:p>
+            <a:r xmlns:a="http://schemas.openxmlformats.org/drawingml/2006/main">
+              <a:rPr lang="en" sz="2000" b="1" dirty="0"/>
+              <a:t>Note: </a:t>
+            </a:r>
+            <a:r xmlns:a="http://schemas.openxmlformats.org/drawingml/2006/main">
+              <a:rPr lang="en" sz="2000" dirty="0"/>
+              <a:t>This demo uses the </a:t>
+            </a:r>
+            <a:r xmlns:a="http://schemas.openxmlformats.org/drawingml/2006/main">
+              <a:rPr lang="en" sz="2000" b="1" dirty="0" err="1"/>
+              <a:t>FactInternetSales table from the </a:t>
+            </a:r>
+            <a:r xmlns:a="http://schemas.openxmlformats.org/drawingml/2006/main">
+              <a:rPr lang="en" sz="2000" b="1" dirty="0"/>
+              <a:t>Adventureworks2016 </a:t>
+            </a:r>
+            <a:r xmlns:a="http://schemas.openxmlformats.org/drawingml/2006/main">
+              <a:rPr lang="en" sz="2000" dirty="0"/>
+              <a:t>database </a:t>
+            </a:r>
+            <a:r xmlns:a="http://schemas.openxmlformats.org/drawingml/2006/main">
+              <a:rPr lang="en" sz="2000" dirty="0"/>
+              <a:t>.</a:t>
+            </a:r>
+            <a:endParaRPr xmlns:a="http://schemas.openxmlformats.org/drawingml/2006/main" lang="en-US" sz="2000" dirty="0"/>
+          </a:p>
+        </p:txBody>
+      </p:sp>
+      <p:sp>
+        <p:nvSpPr>
+          <p:cNvPr id="6" name="Rectangle 5"/>
+          <p:cNvSpPr/>
+          <p:nvPr/>
+        </p:nvSpPr>
+        <p:spPr>
+          <a:xfrm>
+            <a:off x="454014" y="1197160"/>
+            <a:ext cx="9230282" cy="400110"/>
+          </a:xfrm>
+          <a:prstGeom prst="rect">
+            <a:avLst/>
+          </a:prstGeom>
+        </p:spPr>
+        <p:txBody>
+          <a:bodyPr wrap="square">
+            <a:spAutoFit/>
+          </a:bodyPr>
+          <a:lstStyle/>
+          <a:p>
+            <a:r xmlns:a="http://schemas.openxmlformats.org/drawingml/2006/main">
+              <a:rPr lang="en" sz="2000" dirty="0"/>
+              <a:t>Start by creating a calculated column that calculates the profit margin.</a:t>
+            </a:r>
+            <a:endParaRPr xmlns:a="http://schemas.openxmlformats.org/drawingml/2006/main" lang="en-US" sz="2000" dirty="0"/>
+          </a:p>
+        </p:txBody>
+      </p:sp>
+      <p:sp>
+        <p:nvSpPr>
+          <p:cNvPr id="8" name="Rectangle 7"/>
+          <p:cNvSpPr/>
+          <p:nvPr/>
+        </p:nvSpPr>
+        <p:spPr>
+          <a:xfrm>
+            <a:off x="435520" y="2746190"/>
+            <a:ext cx="8387644" cy="400110"/>
+          </a:xfrm>
+          <a:prstGeom prst="rect">
+            <a:avLst/>
+          </a:prstGeom>
+        </p:spPr>
+        <p:txBody>
+          <a:bodyPr wrap="square">
+            <a:spAutoFit/>
+          </a:bodyPr>
+          <a:lstStyle/>
+          <a:p>
+            <a:r xmlns:a="http://schemas.openxmlformats.org/drawingml/2006/main">
+              <a:rPr lang="en" sz="2000" dirty="0"/>
+              <a:t>Note that among the values mentioned there are infinity symbols.</a:t>
+            </a:r>
+            <a:endParaRPr xmlns:a="http://schemas.openxmlformats.org/drawingml/2006/main" lang="en-US" sz="2000" dirty="0"/>
+          </a:p>
+        </p:txBody>
+      </p:sp>
+      <p:sp>
+        <p:nvSpPr>
+          <p:cNvPr id="10" name="Rectangle 1"/>
+          <p:cNvSpPr>
+            <a:spLocks noChangeArrowheads="1"/>
+          </p:cNvSpPr>
+          <p:nvPr/>
+        </p:nvSpPr>
+        <p:spPr bwMode="auto">
+          <a:xfrm>
+            <a:off x="499180" y="4112846"/>
+            <a:ext cx="12192000" cy="457200"/>
+          </a:xfrm>
+          <a:prstGeom prst="rect">
+            <a:avLst/>
+          </a:prstGeom>
+          <a:noFill/>
+          <a:ln>
+            <a:noFill/>
+          </a:ln>
+          <a:effectLst/>
+          <a:extLst>
+            <a:ext uri="{909E8E84-426E-40DD-AFC4-6F175D3DCCD1}">
+              <a14:hiddenFill xmlns:a14="http://schemas.microsoft.com/office/drawing/2010/main">
+                <a:solidFill>
+                  <a:schemeClr val="accent1"/>
+                </a:solidFill>
+              </a14:hiddenFill>
+            </a:ext>
+            <a:ext uri="{91240B29-F687-4F45-9708-019B960494DF}">
+              <a14:hiddenLine xmlns:a14="http://schemas.microsoft.com/office/drawing/2010/main" w="9525">
+                <a:solidFill>
+                  <a:schemeClr val="tx1"/>
+                </a:solidFill>
+                <a:miter lim="800000"/>
+                <a:headEnd/>
+                <a:tailEnd/>
+              </a14:hiddenLine>
+            </a:ext>
+            <a:ext uri="{AF507438-7753-43E0-B8FC-AC1667EBCBE1}">
+              <a14:hiddenEffects xmlns:a14="http://schemas.microsoft.com/office/drawing/2010/main">
+                <a:effectLst>
+                  <a:outerShdw dist="35921" dir="2700000" algn="ctr" rotWithShape="0">
+                    <a:schemeClr val="bg2"/>
+                  </a:outerShdw>
+                </a:effectLst>
+              </a14:hiddenEffects>
+            </a:ext>
+          </a:extLst>
+        </p:spPr>
+        <p:txBody>
+          <a:bodyPr vert="horz" wrap="none" lIns="91440" tIns="45720" rIns="91440" bIns="45720" numCol="1" anchor="ctr" anchorCtr="0" compatLnSpc="1">
+            <a:prstTxWarp prst="textNoShape">
+              <a:avLst/>
+            </a:prstTxWarp>
+            <a:spAutoFit/>
+          </a:bodyPr>
+          <a:lstStyle/>
+          <a:p>
+            <a:pPr xmlns:a="http://schemas.openxmlformats.org/drawingml/2006/main" marL="0" marR="0" lvl="0" indent="0" algn="l" defTabSz="914400" rtl="0" eaLnBrk="0" fontAlgn="base" latinLnBrk="0" hangingPunct="0">
+              <a:lnSpc>
+                <a:spcPct val="100000"/>
+              </a:lnSpc>
+              <a:spcBef>
+                <a:spcPct val="0"/>
+              </a:spcBef>
+              <a:spcAft>
+                <a:spcPct val="0"/>
+              </a:spcAft>
+              <a:buClrTx/>
+              <a:buSzTx/>
+              <a:buFontTx/>
+              <a:buNone/>
+              <a:tabLst/>
+            </a:pPr>
+            <a:r xmlns:a="http://schemas.openxmlformats.org/drawingml/2006/main">
+              <a:rPr kumimoji="0" lang="en" altLang="en-US" sz="1800" b="0" i="0" u="none" strike="noStrike" cap="none" normalizeH="0" baseline="0" smtClean="0">
+                <a:ln>
+                  <a:noFill/>
+                </a:ln>
+                <a:solidFill>
+                  <a:schemeClr val="tx1"/>
+                </a:solidFill>
+                <a:effectLst/>
+                <a:latin typeface="Arial" panose="020B0604020202020204" pitchFamily="34" charset="0"/>
+              </a:rPr>
+              <a:t>Note that among the values mentioned there are infinity symbols.</a:t>
+            </a:r>
+          </a:p>
+        </p:txBody>
+      </p:sp>
     </p:spTree>
     <p:extLst>
       <p:ext uri="{BB962C8B-B14F-4D97-AF65-F5344CB8AC3E}">
@@ -4235,7 +4214,7 @@
         <p:spPr>
           <a:xfrm>
             <a:off x="309383" y="261257"/>
-            <a:ext cx="1505733" cy="461665"/>
+            <a:ext cx="1360372" cy="400110"/>
           </a:xfrm>
           <a:prstGeom prst="rect">
             <a:avLst/>
@@ -4248,14 +4227,14 @@
           </a:bodyPr>
           <a:lstStyle/>
           <a:p>
-            <a:r>
-              <a:rPr lang="fr-FR" sz="2400" dirty="0" smtClean="0">
+            <a:r xmlns:a="http://schemas.openxmlformats.org/drawingml/2006/main">
+              <a:rPr lang="en" sz="2000" b="1" dirty="0" smtClean="0">
                 <a:latin typeface="Segoe UI" panose="020B0502040204020203" pitchFamily="34" charset="0"/>
                 <a:cs typeface="Segoe UI" panose="020B0502040204020203" pitchFamily="34" charset="0"/>
               </a:rPr>
               <a:t>IFFERROR</a:t>
             </a:r>
-            <a:endParaRPr lang="en-US" sz="2400" dirty="0">
+            <a:endParaRPr xmlns:a="http://schemas.openxmlformats.org/drawingml/2006/main" lang="en-US" sz="2000" b="1" dirty="0">
               <a:latin typeface="Segoe UI" panose="020B0502040204020203" pitchFamily="34" charset="0"/>
               <a:cs typeface="Segoe UI" panose="020B0502040204020203" pitchFamily="34" charset="0"/>
             </a:endParaRPr>
@@ -4264,14 +4243,14 @@
       </p:sp>
       <p:sp>
         <p:nvSpPr>
-          <p:cNvPr id="3" name="Rectangle 2"/>
+          <p:cNvPr id="6" name="Rectangle 5"/>
           <p:cNvSpPr/>
           <p:nvPr/>
         </p:nvSpPr>
         <p:spPr>
           <a:xfrm>
-            <a:off x="349955" y="866778"/>
-            <a:ext cx="11729155" cy="685059"/>
+            <a:off x="664175" y="1673327"/>
+            <a:ext cx="7147735" cy="1200329"/>
           </a:xfrm>
           <a:prstGeom prst="rect">
             <a:avLst/>
@@ -4283,102 +4262,8 @@
           </a:bodyPr>
           <a:lstStyle/>
           <a:p>
-            <a:pPr lvl="0">
-              <a:lnSpc>
-                <a:spcPct val="107000"/>
-              </a:lnSpc>
-              <a:spcAft>
-                <a:spcPts val="800"/>
-              </a:spcAft>
-            </a:pPr>
-            <a:r>
-              <a:rPr lang="en-US" dirty="0" smtClean="0">
-                <a:latin typeface="Segoe UI" panose="020B0502040204020203" pitchFamily="34" charset="0"/>
-                <a:ea typeface="Calibri" panose="020F0502020204030204" pitchFamily="34" charset="0"/>
-                <a:cs typeface="Times New Roman" panose="02020603050405020304" pitchFamily="18" charset="0"/>
-              </a:rPr>
-              <a:t>Try putting the whole expression into an </a:t>
-            </a:r>
-            <a:r>
-              <a:rPr lang="en-US" b="1" dirty="0" smtClean="0">
-                <a:latin typeface="Segoe UI" panose="020B0502040204020203" pitchFamily="34" charset="0"/>
-                <a:ea typeface="Calibri" panose="020F0502020204030204" pitchFamily="34" charset="0"/>
-                <a:cs typeface="Times New Roman" panose="02020603050405020304" pitchFamily="18" charset="0"/>
-              </a:rPr>
-              <a:t>IFERROR function </a:t>
-            </a:r>
-            <a:r>
-              <a:rPr lang="en-US" dirty="0" smtClean="0">
-                <a:latin typeface="Segoe UI" panose="020B0502040204020203" pitchFamily="34" charset="0"/>
-                <a:ea typeface="Calibri" panose="020F0502020204030204" pitchFamily="34" charset="0"/>
-                <a:cs typeface="Times New Roman" panose="02020603050405020304" pitchFamily="18" charset="0"/>
-              </a:rPr>
-              <a:t>, indicating that the value represented when divided by 0 is -1</a:t>
-            </a:r>
-            <a:endParaRPr lang="en-US" sz="1400" dirty="0">
-              <a:effectLst/>
-              <a:latin typeface="Calibri" panose="020F0502020204030204" pitchFamily="34" charset="0"/>
-              <a:ea typeface="Calibri" panose="020F0502020204030204" pitchFamily="34" charset="0"/>
-              <a:cs typeface="Times New Roman" panose="02020603050405020304" pitchFamily="18" charset="0"/>
-            </a:endParaRPr>
-          </a:p>
-        </p:txBody>
-      </p:sp>
-      <p:sp>
-        <p:nvSpPr>
-          <p:cNvPr id="4" name="Rectangle 3"/>
-          <p:cNvSpPr/>
-          <p:nvPr/>
-        </p:nvSpPr>
-        <p:spPr>
-          <a:xfrm>
-            <a:off x="359376" y="3295134"/>
-            <a:ext cx="4798942" cy="369332"/>
-          </a:xfrm>
-          <a:prstGeom prst="rect">
-            <a:avLst/>
-          </a:prstGeom>
-        </p:spPr>
-        <p:txBody>
-          <a:bodyPr wrap="none">
-            <a:spAutoFit/>
-          </a:bodyPr>
-          <a:lstStyle/>
-          <a:p>
-            <a:r>
-              <a:rPr lang="en-US" dirty="0" smtClean="0">
-                <a:latin typeface="Segoe UI" panose="020B0502040204020203" pitchFamily="34" charset="0"/>
-                <a:ea typeface="Calibri" panose="020F0502020204030204" pitchFamily="34" charset="0"/>
-              </a:rPr>
-              <a:t>Notice that the infinity value is replaced by -1</a:t>
-            </a:r>
-            <a:endParaRPr lang="en-US" dirty="0"/>
-          </a:p>
-        </p:txBody>
-      </p:sp>
-      <p:sp>
-        <p:nvSpPr>
-          <p:cNvPr id="6" name="Rectangle 5"/>
-          <p:cNvSpPr/>
-          <p:nvPr/>
-        </p:nvSpPr>
-        <p:spPr>
-          <a:xfrm>
-            <a:off x="359376" y="1684821"/>
-            <a:ext cx="6096000" cy="1477328"/>
-          </a:xfrm>
-          <a:prstGeom prst="rect">
-            <a:avLst/>
-          </a:prstGeom>
-        </p:spPr>
-        <p:txBody>
-          <a:bodyPr>
-            <a:spAutoFit/>
-          </a:bodyPr>
-          <a:lstStyle/>
-          <a:p>
-            <a:r>
-              <a:rPr lang="en-US" dirty="0">
+            <a:r xmlns:a="http://schemas.openxmlformats.org/drawingml/2006/main">
+              <a:rPr lang="en" dirty="0">
                 <a:solidFill>
                   <a:srgbClr val="000000"/>
                 </a:solidFill>
@@ -4386,17 +4271,17 @@
               </a:rPr>
               <a:t>Profit Margin = </a:t>
             </a:r>
-            <a:r>
-              <a:rPr lang="en-US" dirty="0">
+            <a:r xmlns:a="http://schemas.openxmlformats.org/drawingml/2006/main">
+              <a:rPr lang="en" dirty="0">
                 <a:solidFill>
                   <a:srgbClr val="3165BB"/>
                 </a:solidFill>
                 <a:latin typeface="Consolas" panose="020B0609020204030204" pitchFamily="49" charset="0"/>
               </a:rPr>
-              <a:t>IFERROR</a:t>
-            </a:r>
-            <a:r>
-              <a:rPr lang="en-US" dirty="0">
+              <a:t>IFERROR </a:t>
+            </a:r>
+            <a:r xmlns:a="http://schemas.openxmlformats.org/drawingml/2006/main">
+              <a:rPr lang="en" dirty="0">
                 <a:solidFill>
                   <a:srgbClr val="000000"/>
                 </a:solidFill>
@@ -4406,44 +4291,44 @@
             </a:r>
           </a:p>
           <a:p>
-            <a:r>
-              <a:rPr lang="en-US" dirty="0">
+            <a:r xmlns:a="http://schemas.openxmlformats.org/drawingml/2006/main">
+              <a:rPr lang="en" dirty="0">
                 <a:solidFill>
                   <a:srgbClr val="000000"/>
                 </a:solidFill>
                 <a:latin typeface="Consolas" panose="020B0609020204030204" pitchFamily="49" charset="0"/>
               </a:rPr>
-              <a:t>    (</a:t>
-            </a:r>
-            <a:r>
-              <a:rPr lang="en-US" dirty="0" err="1">
+              <a:t>( </a:t>
+            </a:r>
+            <a:r xmlns:a="http://schemas.openxmlformats.org/drawingml/2006/main">
+              <a:rPr lang="en" dirty="0" err="1">
                 <a:solidFill>
                   <a:srgbClr val="000000"/>
                 </a:solidFill>
                 <a:latin typeface="Consolas" panose="020B0609020204030204" pitchFamily="49" charset="0"/>
               </a:rPr>
-              <a:t>FactInternetSales</a:t>
-            </a:r>
-            <a:r>
-              <a:rPr lang="en-US" dirty="0">
+              <a:t>FactInternetSales </a:t>
+            </a:r>
+            <a:r xmlns:a="http://schemas.openxmlformats.org/drawingml/2006/main">
+              <a:rPr lang="en" dirty="0">
                 <a:solidFill>
                   <a:srgbClr val="000000"/>
                 </a:solidFill>
                 <a:latin typeface="Consolas" panose="020B0609020204030204" pitchFamily="49" charset="0"/>
               </a:rPr>
-              <a:t>[</a:t>
-            </a:r>
-            <a:r>
-              <a:rPr lang="en-US" dirty="0" err="1">
+              <a:t>[ </a:t>
+            </a:r>
+            <a:r xmlns:a="http://schemas.openxmlformats.org/drawingml/2006/main">
+              <a:rPr lang="en" dirty="0" err="1">
                 <a:solidFill>
                   <a:srgbClr val="000000"/>
                 </a:solidFill>
                 <a:latin typeface="Consolas" panose="020B0609020204030204" pitchFamily="49" charset="0"/>
               </a:rPr>
-              <a:t>UnitPrice</a:t>
-            </a:r>
-            <a:r>
-              <a:rPr lang="en-US" dirty="0">
+              <a:t>UnitPrice </a:t>
+            </a:r>
+            <a:r xmlns:a="http://schemas.openxmlformats.org/drawingml/2006/main">
+              <a:rPr lang="en" dirty="0">
                 <a:solidFill>
                   <a:srgbClr val="000000"/>
                 </a:solidFill>
@@ -4451,53 +4336,53 @@
               </a:rPr>
               <a:t>] - </a:t>
             </a:r>
-            <a:r>
-              <a:rPr lang="en-US" dirty="0">
+            <a:r xmlns:a="http://schemas.openxmlformats.org/drawingml/2006/main">
+              <a:rPr lang="en" dirty="0">
                 <a:solidFill>
                   <a:srgbClr val="3165BB"/>
                 </a:solidFill>
                 <a:latin typeface="Consolas" panose="020B0609020204030204" pitchFamily="49" charset="0"/>
               </a:rPr>
-              <a:t>INT</a:t>
-            </a:r>
-            <a:r>
-              <a:rPr lang="en-US" dirty="0">
+              <a:t>INT </a:t>
+            </a:r>
+            <a:r xmlns:a="http://schemas.openxmlformats.org/drawingml/2006/main">
+              <a:rPr lang="en" dirty="0">
                 <a:solidFill>
                   <a:srgbClr val="000000"/>
                 </a:solidFill>
                 <a:latin typeface="Consolas" panose="020B0609020204030204" pitchFamily="49" charset="0"/>
               </a:rPr>
-              <a:t>(</a:t>
-            </a:r>
-            <a:r>
-              <a:rPr lang="en-US" dirty="0" err="1">
+              <a:t>( </a:t>
+            </a:r>
+            <a:r xmlns:a="http://schemas.openxmlformats.org/drawingml/2006/main">
+              <a:rPr lang="en" dirty="0" err="1">
                 <a:solidFill>
                   <a:srgbClr val="000000"/>
                 </a:solidFill>
                 <a:latin typeface="Consolas" panose="020B0609020204030204" pitchFamily="49" charset="0"/>
               </a:rPr>
-              <a:t>FactInternetSales</a:t>
-            </a:r>
-            <a:r>
-              <a:rPr lang="en-US" dirty="0">
+              <a:t>FactInternetSales </a:t>
+            </a:r>
+            <a:r xmlns:a="http://schemas.openxmlformats.org/drawingml/2006/main">
+              <a:rPr lang="en" dirty="0">
                 <a:solidFill>
                   <a:srgbClr val="000000"/>
                 </a:solidFill>
                 <a:latin typeface="Consolas" panose="020B0609020204030204" pitchFamily="49" charset="0"/>
               </a:rPr>
-              <a:t>[</a:t>
-            </a:r>
-            <a:r>
-              <a:rPr lang="en-US" dirty="0" err="1">
+              <a:t>[ </a:t>
+            </a:r>
+            <a:r xmlns:a="http://schemas.openxmlformats.org/drawingml/2006/main">
+              <a:rPr lang="en" dirty="0" err="1">
                 <a:solidFill>
                   <a:srgbClr val="000000"/>
                 </a:solidFill>
                 <a:latin typeface="Consolas" panose="020B0609020204030204" pitchFamily="49" charset="0"/>
               </a:rPr>
-              <a:t>ProductStandardCost</a:t>
-            </a:r>
-            <a:r>
-              <a:rPr lang="en-US" dirty="0">
+              <a:t>ProductStandardCost </a:t>
+            </a:r>
+            <a:r xmlns:a="http://schemas.openxmlformats.org/drawingml/2006/main">
+              <a:rPr lang="en" dirty="0">
                 <a:solidFill>
                   <a:srgbClr val="000000"/>
                 </a:solidFill>
@@ -4507,80 +4392,80 @@
             </a:r>
           </a:p>
           <a:p>
-            <a:r>
-              <a:rPr lang="en-US" dirty="0">
+            <a:r xmlns:a="http://schemas.openxmlformats.org/drawingml/2006/main">
+              <a:rPr lang="en" dirty="0">
                 <a:solidFill>
                   <a:srgbClr val="000000"/>
                 </a:solidFill>
                 <a:latin typeface="Consolas" panose="020B0609020204030204" pitchFamily="49" charset="0"/>
               </a:rPr>
-              <a:t>    /</a:t>
-            </a:r>
-            <a:r>
-              <a:rPr lang="en-US" dirty="0">
+              <a:t>/ </a:t>
+            </a:r>
+            <a:r xmlns:a="http://schemas.openxmlformats.org/drawingml/2006/main">
+              <a:rPr lang="en" dirty="0">
                 <a:solidFill>
                   <a:srgbClr val="3165BB"/>
                 </a:solidFill>
                 <a:latin typeface="Consolas" panose="020B0609020204030204" pitchFamily="49" charset="0"/>
               </a:rPr>
-              <a:t>INT</a:t>
-            </a:r>
-            <a:r>
-              <a:rPr lang="en-US" dirty="0">
+              <a:t>INT </a:t>
+            </a:r>
+            <a:r xmlns:a="http://schemas.openxmlformats.org/drawingml/2006/main">
+              <a:rPr lang="en" dirty="0">
                 <a:solidFill>
                   <a:srgbClr val="000000"/>
                 </a:solidFill>
                 <a:latin typeface="Consolas" panose="020B0609020204030204" pitchFamily="49" charset="0"/>
               </a:rPr>
-              <a:t>(</a:t>
-            </a:r>
-            <a:r>
-              <a:rPr lang="en-US" dirty="0" err="1">
+              <a:t>( </a:t>
+            </a:r>
+            <a:r xmlns:a="http://schemas.openxmlformats.org/drawingml/2006/main">
+              <a:rPr lang="en" dirty="0" err="1">
                 <a:solidFill>
                   <a:srgbClr val="000000"/>
                 </a:solidFill>
                 <a:latin typeface="Consolas" panose="020B0609020204030204" pitchFamily="49" charset="0"/>
               </a:rPr>
-              <a:t>FactInternetSales</a:t>
-            </a:r>
-            <a:r>
-              <a:rPr lang="en-US" dirty="0">
+              <a:t>FactInternetSales </a:t>
+            </a:r>
+            <a:r xmlns:a="http://schemas.openxmlformats.org/drawingml/2006/main">
+              <a:rPr lang="en" dirty="0">
                 <a:solidFill>
                   <a:srgbClr val="000000"/>
                 </a:solidFill>
                 <a:latin typeface="Consolas" panose="020B0609020204030204" pitchFamily="49" charset="0"/>
               </a:rPr>
-              <a:t>[</a:t>
-            </a:r>
-            <a:r>
-              <a:rPr lang="en-US" dirty="0" err="1">
+              <a:t>[ </a:t>
+            </a:r>
+            <a:r xmlns:a="http://schemas.openxmlformats.org/drawingml/2006/main">
+              <a:rPr lang="en" dirty="0" err="1">
                 <a:solidFill>
                   <a:srgbClr val="000000"/>
                 </a:solidFill>
                 <a:latin typeface="Consolas" panose="020B0609020204030204" pitchFamily="49" charset="0"/>
               </a:rPr>
-              <a:t>ProductStandardCost</a:t>
-            </a:r>
-            <a:r>
-              <a:rPr lang="en-US" dirty="0">
+              <a:t>ProductStandardCost </a:t>
+            </a:r>
+            <a:r xmlns:a="http://schemas.openxmlformats.org/drawingml/2006/main">
+              <a:rPr lang="en" dirty="0">
                 <a:solidFill>
                   <a:srgbClr val="000000"/>
                 </a:solidFill>
                 <a:latin typeface="Consolas" panose="020B0609020204030204" pitchFamily="49" charset="0"/>
               </a:rPr>
-              <a:t>]), -</a:t>
-            </a:r>
-            <a:r>
-              <a:rPr lang="en-US" dirty="0">
+              <a:t>]), </a:t>
+            </a:r>
+            <a:r xmlns:a="http://schemas.openxmlformats.org/drawingml/2006/main">
+              <a:rPr lang="en" dirty="0">
                 <a:solidFill>
                   <a:srgbClr val="098658"/>
                 </a:solidFill>
                 <a:latin typeface="Consolas" panose="020B0609020204030204" pitchFamily="49" charset="0"/>
               </a:rPr>
-              <a:t>1</a:t>
-            </a:r>
-            <a:r>
-              <a:rPr lang="en-US" dirty="0">
+              <a:t>-1 </a:t>
+            </a:r>
+            <a:r xmlns:a="http://schemas.openxmlformats.org/drawingml/2006/main">
+              <a:rPr lang="en" dirty="0">
                 <a:solidFill>
                   <a:srgbClr val="000000"/>
                 </a:solidFill>
@@ -4588,7 +4473,7 @@
               </a:rPr>
               <a:t>)</a:t>
             </a:r>
-            <a:endParaRPr lang="en-US" b="0" dirty="0">
+            <a:endParaRPr xmlns:a="http://schemas.openxmlformats.org/drawingml/2006/main" lang="en-US" b="0" dirty="0">
               <a:solidFill>
                 <a:srgbClr val="000000"/>
               </a:solidFill>
@@ -4614,7 +4499,7 @@
         </p:blipFill>
         <p:spPr>
           <a:xfrm>
-            <a:off x="567791" y="3937544"/>
+            <a:off x="759702" y="3931900"/>
             <a:ext cx="4382112" cy="2324424"/>
           </a:xfrm>
           <a:prstGeom prst="rect">
@@ -4632,6 +4517,72 @@
           </a:effectLst>
         </p:spPr>
       </p:pic>
+      <p:sp>
+        <p:nvSpPr>
+          <p:cNvPr id="5" name="Rectangle 4"/>
+          <p:cNvSpPr/>
+          <p:nvPr/>
+        </p:nvSpPr>
+        <p:spPr>
+          <a:xfrm>
+            <a:off x="309383" y="838435"/>
+            <a:ext cx="11747957" cy="707886"/>
+          </a:xfrm>
+          <a:prstGeom prst="rect">
+            <a:avLst/>
+          </a:prstGeom>
+        </p:spPr>
+        <p:txBody>
+          <a:bodyPr wrap="square">
+            <a:spAutoFit/>
+          </a:bodyPr>
+          <a:lstStyle/>
+          <a:p>
+            <a:r xmlns:a="http://schemas.openxmlformats.org/drawingml/2006/main">
+              <a:rPr lang="en" sz="2000" dirty="0"/>
+              <a:t>Try putting the whole expression into an </a:t>
+            </a:r>
+            <a:r xmlns:a="http://schemas.openxmlformats.org/drawingml/2006/main">
+              <a:rPr lang="en" sz="2000" b="1" dirty="0"/>
+              <a:t>IFERROR function </a:t>
+            </a:r>
+            <a:r xmlns:a="http://schemas.openxmlformats.org/drawingml/2006/main">
+              <a:rPr lang="en" sz="2000" dirty="0"/>
+              <a:t>, indicating that the value represented when divided by 0 is -1.</a:t>
+            </a:r>
+            <a:endParaRPr xmlns:a="http://schemas.openxmlformats.org/drawingml/2006/main" lang="en-US" sz="2000" dirty="0"/>
+          </a:p>
+        </p:txBody>
+      </p:sp>
+      <p:sp>
+        <p:nvSpPr>
+          <p:cNvPr id="7" name="Rectangle 6"/>
+          <p:cNvSpPr/>
+          <p:nvPr/>
+        </p:nvSpPr>
+        <p:spPr>
+          <a:xfrm>
+            <a:off x="359375" y="3277662"/>
+            <a:ext cx="5736250" cy="400110"/>
+          </a:xfrm>
+          <a:prstGeom prst="rect">
+            <a:avLst/>
+          </a:prstGeom>
+        </p:spPr>
+        <p:txBody>
+          <a:bodyPr wrap="none">
+            <a:spAutoFit/>
+          </a:bodyPr>
+          <a:lstStyle/>
+          <a:p>
+            <a:r xmlns:a="http://schemas.openxmlformats.org/drawingml/2006/main">
+              <a:rPr lang="en" sz="2000" dirty="0"/>
+              <a:t>Notice that the infinity value is replaced by -1.</a:t>
+            </a:r>
+            <a:endParaRPr xmlns:a="http://schemas.openxmlformats.org/drawingml/2006/main" lang="en-US" sz="2000" dirty="0"/>
+          </a:p>
+        </p:txBody>
+      </p:sp>
     </p:spTree>
     <p:extLst>
       <p:ext uri="{BB962C8B-B14F-4D97-AF65-F5344CB8AC3E}">
@@ -4717,8 +4668,8 @@
         </p:nvSpPr>
         <p:spPr>
           <a:xfrm>
-            <a:off x="2916199" y="2162433"/>
-            <a:ext cx="6230360" cy="1569660"/>
+            <a:off x="4265221" y="2354344"/>
+            <a:ext cx="3456395" cy="1569660"/>
           </a:xfrm>
           <a:prstGeom prst="rect">
             <a:avLst/>
@@ -4731,8 +4682,8 @@
           </a:bodyPr>
           <a:lstStyle/>
           <a:p>
-            <a:r>
-              <a:rPr lang="en-US" sz="9600" b="1" dirty="0" smtClean="0">
+            <a:r xmlns:a="http://schemas.openxmlformats.org/drawingml/2006/main">
+              <a:rPr lang="en" sz="9600" b="1" dirty="0" smtClean="0">
                 <a:solidFill>
                   <a:srgbClr val="7030A0"/>
                 </a:solidFill>
@@ -4740,9 +4691,9 @@
                 <a:ea typeface="Verdana" panose="020B0604030504040204" pitchFamily="34" charset="0"/>
                 <a:cs typeface="Segoe UI" panose="020B0502040204020203" pitchFamily="34" charset="0"/>
               </a:rPr>
-              <a:t>Thank you</a:t>
-            </a:r>
-            <a:endParaRPr lang="en-US" sz="9600" b="1" dirty="0">
+              <a:t>THANKS</a:t>
+            </a:r>
+            <a:endParaRPr xmlns:a="http://schemas.openxmlformats.org/drawingml/2006/main" lang="en-US" sz="9600" b="1" dirty="0">
               <a:solidFill>
                 <a:srgbClr val="7030A0"/>
               </a:solidFill>
@@ -4761,8 +4712,8 @@
         </p:nvSpPr>
         <p:spPr>
           <a:xfrm>
-            <a:off x="2990336" y="2217861"/>
-            <a:ext cx="6230360" cy="1569660"/>
+            <a:off x="4209535" y="2302528"/>
+            <a:ext cx="3456395" cy="1569660"/>
           </a:xfrm>
           <a:prstGeom prst="rect">
             <a:avLst/>
@@ -4775,8 +4726,8 @@
           </a:bodyPr>
           <a:lstStyle/>
           <a:p>
-            <a:r>
-              <a:rPr lang="en-US" sz="9600" b="1" dirty="0" smtClean="0">
+            <a:r xmlns:a="http://schemas.openxmlformats.org/drawingml/2006/main">
+              <a:rPr lang="en" sz="9600" b="1" dirty="0" smtClean="0">
                 <a:solidFill>
                   <a:schemeClr val="bg1"/>
                 </a:solidFill>
@@ -4784,9 +4735,9 @@
                 <a:ea typeface="Verdana" panose="020B0604030504040204" pitchFamily="34" charset="0"/>
                 <a:cs typeface="Segoe UI" panose="020B0502040204020203" pitchFamily="34" charset="0"/>
               </a:rPr>
-              <a:t>Thank you</a:t>
-            </a:r>
-            <a:endParaRPr lang="en-US" sz="9600" b="1" dirty="0">
+              <a:t>THANKS</a:t>
+            </a:r>
+            <a:endParaRPr xmlns:a="http://schemas.openxmlformats.org/drawingml/2006/main" lang="en-US" sz="9600" b="1" dirty="0">
               <a:solidFill>
                 <a:schemeClr val="bg1"/>
               </a:solidFill>

--- a/English/5.DAX/4.IFFERROR.pptx
+++ b/English/5.DAX/4.IFFERROR.pptx
@@ -200,7 +200,7 @@
           <a:p>
             <a:fld id="{056BA3B8-9F76-4D81-B71D-76CB85363062}" type="datetimeFigureOut">
               <a:rPr lang="en-US" smtClean="0"/>
-              <a:t>2/26/2025</a:t>
+              <a:t>4/3/2025</a:t>
             </a:fld>
             <a:endParaRPr lang="en-US"/>
           </a:p>
@@ -599,7 +599,7 @@
           <a:p>
             <a:fld id="{6F01DA4D-20EA-48D2-973C-0311EC3005D6}" type="datetimeFigureOut">
               <a:rPr lang="en-US" smtClean="0"/>
-              <a:t>2/26/2025</a:t>
+              <a:t>4/3/2025</a:t>
             </a:fld>
             <a:endParaRPr lang="en-US"/>
           </a:p>
@@ -769,7 +769,7 @@
           <a:p>
             <a:fld id="{6F01DA4D-20EA-48D2-973C-0311EC3005D6}" type="datetimeFigureOut">
               <a:rPr lang="en-US" smtClean="0"/>
-              <a:t>2/26/2025</a:t>
+              <a:t>4/3/2025</a:t>
             </a:fld>
             <a:endParaRPr lang="en-US"/>
           </a:p>
@@ -949,7 +949,7 @@
           <a:p>
             <a:fld id="{6F01DA4D-20EA-48D2-973C-0311EC3005D6}" type="datetimeFigureOut">
               <a:rPr lang="en-US" smtClean="0"/>
-              <a:t>2/26/2025</a:t>
+              <a:t>4/3/2025</a:t>
             </a:fld>
             <a:endParaRPr lang="en-US"/>
           </a:p>
@@ -1119,7 +1119,7 @@
           <a:p>
             <a:fld id="{6F01DA4D-20EA-48D2-973C-0311EC3005D6}" type="datetimeFigureOut">
               <a:rPr lang="en-US" smtClean="0"/>
-              <a:t>2/26/2025</a:t>
+              <a:t>4/3/2025</a:t>
             </a:fld>
             <a:endParaRPr lang="en-US"/>
           </a:p>
@@ -1365,7 +1365,7 @@
           <a:p>
             <a:fld id="{6F01DA4D-20EA-48D2-973C-0311EC3005D6}" type="datetimeFigureOut">
               <a:rPr lang="en-US" smtClean="0"/>
-              <a:t>2/26/2025</a:t>
+              <a:t>4/3/2025</a:t>
             </a:fld>
             <a:endParaRPr lang="en-US"/>
           </a:p>
@@ -1597,7 +1597,7 @@
           <a:p>
             <a:fld id="{6F01DA4D-20EA-48D2-973C-0311EC3005D6}" type="datetimeFigureOut">
               <a:rPr lang="en-US" smtClean="0"/>
-              <a:t>2/26/2025</a:t>
+              <a:t>4/3/2025</a:t>
             </a:fld>
             <a:endParaRPr lang="en-US"/>
           </a:p>
@@ -1964,7 +1964,7 @@
           <a:p>
             <a:fld id="{6F01DA4D-20EA-48D2-973C-0311EC3005D6}" type="datetimeFigureOut">
               <a:rPr lang="en-US" smtClean="0"/>
-              <a:t>2/26/2025</a:t>
+              <a:t>4/3/2025</a:t>
             </a:fld>
             <a:endParaRPr lang="en-US"/>
           </a:p>
@@ -2082,7 +2082,7 @@
           <a:p>
             <a:fld id="{6F01DA4D-20EA-48D2-973C-0311EC3005D6}" type="datetimeFigureOut">
               <a:rPr lang="en-US" smtClean="0"/>
-              <a:t>2/26/2025</a:t>
+              <a:t>4/3/2025</a:t>
             </a:fld>
             <a:endParaRPr lang="en-US"/>
           </a:p>
@@ -2177,7 +2177,7 @@
           <a:p>
             <a:fld id="{6F01DA4D-20EA-48D2-973C-0311EC3005D6}" type="datetimeFigureOut">
               <a:rPr lang="en-US" smtClean="0"/>
-              <a:t>2/26/2025</a:t>
+              <a:t>4/3/2025</a:t>
             </a:fld>
             <a:endParaRPr lang="en-US"/>
           </a:p>
@@ -2454,7 +2454,7 @@
           <a:p>
             <a:fld id="{6F01DA4D-20EA-48D2-973C-0311EC3005D6}" type="datetimeFigureOut">
               <a:rPr lang="en-US" smtClean="0"/>
-              <a:t>2/26/2025</a:t>
+              <a:t>4/3/2025</a:t>
             </a:fld>
             <a:endParaRPr lang="en-US"/>
           </a:p>
@@ -2707,7 +2707,7 @@
           <a:p>
             <a:fld id="{6F01DA4D-20EA-48D2-973C-0311EC3005D6}" type="datetimeFigureOut">
               <a:rPr lang="en-US" smtClean="0"/>
-              <a:t>2/26/2025</a:t>
+              <a:t>4/3/2025</a:t>
             </a:fld>
             <a:endParaRPr lang="en-US"/>
           </a:p>
@@ -2920,7 +2920,7 @@
           <a:p>
             <a:fld id="{6F01DA4D-20EA-48D2-973C-0311EC3005D6}" type="datetimeFigureOut">
               <a:rPr lang="en-US" smtClean="0"/>
-              <a:t>2/26/2025</a:t>
+              <a:t>4/3/2025</a:t>
             </a:fld>
             <a:endParaRPr lang="en-US"/>
           </a:p>
@@ -3355,8 +3355,8 @@
           </a:bodyPr>
           <a:lstStyle/>
           <a:p>
-            <a:pPr xmlns:a="http://schemas.openxmlformats.org/drawingml/2006/main" algn="ctr"/>
-            <a:r xmlns:a="http://schemas.openxmlformats.org/drawingml/2006/main">
+            <a:pPr algn="ctr"/>
+            <a:r>
               <a:rPr lang="en" sz="8000" b="1" dirty="0" smtClean="0">
                 <a:solidFill>
                   <a:srgbClr val="7030A0"/>
@@ -3367,7 +3367,7 @@
               </a:rPr>
               <a:t>IFFERROR</a:t>
             </a:r>
-            <a:endParaRPr xmlns:a="http://schemas.openxmlformats.org/drawingml/2006/main" lang="en-US" sz="8000" b="1" dirty="0">
+            <a:endParaRPr lang="en-US" sz="8000" b="1" dirty="0">
               <a:solidFill>
                 <a:srgbClr val="7030A0"/>
               </a:solidFill>
@@ -3400,8 +3400,8 @@
           </a:bodyPr>
           <a:lstStyle/>
           <a:p>
-            <a:pPr xmlns:a="http://schemas.openxmlformats.org/drawingml/2006/main" algn="ctr"/>
-            <a:r xmlns:a="http://schemas.openxmlformats.org/drawingml/2006/main">
+            <a:pPr algn="ctr"/>
+            <a:r>
               <a:rPr lang="en" sz="8000" b="1" dirty="0" smtClean="0">
                 <a:solidFill>
                   <a:schemeClr val="bg1"/>
@@ -3412,7 +3412,7 @@
               </a:rPr>
               <a:t>IFFERROR</a:t>
             </a:r>
-            <a:endParaRPr xmlns:a="http://schemas.openxmlformats.org/drawingml/2006/main" lang="en-US" sz="8000" b="1" dirty="0">
+            <a:endParaRPr lang="en-US" sz="8000" b="1" dirty="0">
               <a:solidFill>
                 <a:schemeClr val="bg1"/>
               </a:solidFill>
@@ -3475,14 +3475,14 @@
           </a:bodyPr>
           <a:lstStyle/>
           <a:p>
-            <a:r xmlns:a="http://schemas.openxmlformats.org/drawingml/2006/main">
+            <a:r>
               <a:rPr lang="en" sz="2000" b="1" dirty="0" smtClean="0">
                 <a:latin typeface="Segoe UI" panose="020B0502040204020203" pitchFamily="34" charset="0"/>
                 <a:cs typeface="Segoe UI" panose="020B0502040204020203" pitchFamily="34" charset="0"/>
               </a:rPr>
               <a:t>IFFERROR</a:t>
             </a:r>
-            <a:endParaRPr xmlns:a="http://schemas.openxmlformats.org/drawingml/2006/main" lang="en-US" sz="2000" b="1" dirty="0">
+            <a:endParaRPr lang="en-US" sz="2000" b="1" dirty="0">
               <a:latin typeface="Segoe UI" panose="020B0502040204020203" pitchFamily="34" charset="0"/>
               <a:cs typeface="Segoe UI" panose="020B0502040204020203" pitchFamily="34" charset="0"/>
             </a:endParaRPr>
@@ -3510,7 +3510,7 @@
           </a:bodyPr>
           <a:lstStyle/>
           <a:p>
-            <a:r xmlns:a="http://schemas.openxmlformats.org/drawingml/2006/main">
+            <a:r>
               <a:rPr lang="en" dirty="0">
                 <a:solidFill>
                   <a:srgbClr val="000000"/>
@@ -3521,7 +3521,7 @@
             </a:r>
           </a:p>
           <a:p>
-            <a:r xmlns:a="http://schemas.openxmlformats.org/drawingml/2006/main">
+            <a:r>
               <a:rPr lang="en" dirty="0">
                 <a:solidFill>
                   <a:srgbClr val="000000"/>
@@ -3530,7 +3530,7 @@
               </a:rPr>
               <a:t>( </a:t>
             </a:r>
-            <a:r xmlns:a="http://schemas.openxmlformats.org/drawingml/2006/main">
+            <a:r>
               <a:rPr lang="en" dirty="0" err="1">
                 <a:solidFill>
                   <a:srgbClr val="001080"/>
@@ -3539,7 +3539,7 @@
               </a:rPr>
               <a:t>FactInternetSales </a:t>
             </a:r>
-            <a:r xmlns:a="http://schemas.openxmlformats.org/drawingml/2006/main">
+            <a:r>
               <a:rPr lang="en" dirty="0">
                 <a:solidFill>
                   <a:srgbClr val="001080"/>
@@ -3548,7 +3548,7 @@
               </a:rPr>
               <a:t>[ </a:t>
             </a:r>
-            <a:r xmlns:a="http://schemas.openxmlformats.org/drawingml/2006/main">
+            <a:r>
               <a:rPr lang="en" dirty="0" err="1">
                 <a:solidFill>
                   <a:srgbClr val="001080"/>
@@ -3557,7 +3557,7 @@
               </a:rPr>
               <a:t>UnitPrice </a:t>
             </a:r>
-            <a:r xmlns:a="http://schemas.openxmlformats.org/drawingml/2006/main">
+            <a:r>
               <a:rPr lang="en" dirty="0">
                 <a:solidFill>
                   <a:srgbClr val="001080"/>
@@ -3566,7 +3566,7 @@
               </a:rPr>
               <a:t>] </a:t>
             </a:r>
-            <a:r xmlns:a="http://schemas.openxmlformats.org/drawingml/2006/main">
+            <a:r>
               <a:rPr lang="en" dirty="0">
                 <a:solidFill>
                   <a:srgbClr val="000000"/>
@@ -3575,7 +3575,7 @@
               </a:rPr>
               <a:t>- </a:t>
             </a:r>
-            <a:r xmlns:a="http://schemas.openxmlformats.org/drawingml/2006/main">
+            <a:r>
               <a:rPr lang="en" dirty="0" err="1">
                 <a:solidFill>
                   <a:srgbClr val="001080"/>
@@ -3584,7 +3584,7 @@
               </a:rPr>
               <a:t>FactInternetSales </a:t>
             </a:r>
-            <a:r xmlns:a="http://schemas.openxmlformats.org/drawingml/2006/main">
+            <a:r>
               <a:rPr lang="en" dirty="0">
                 <a:solidFill>
                   <a:srgbClr val="001080"/>
@@ -3593,7 +3593,7 @@
               </a:rPr>
               <a:t>[ </a:t>
             </a:r>
-            <a:r xmlns:a="http://schemas.openxmlformats.org/drawingml/2006/main">
+            <a:r>
               <a:rPr lang="en" dirty="0" err="1">
                 <a:solidFill>
                   <a:srgbClr val="001080"/>
@@ -3602,7 +3602,7 @@
               </a:rPr>
               <a:t>ProductStandardCost </a:t>
             </a:r>
-            <a:r xmlns:a="http://schemas.openxmlformats.org/drawingml/2006/main">
+            <a:r>
               <a:rPr lang="en" dirty="0">
                 <a:solidFill>
                   <a:srgbClr val="001080"/>
@@ -3611,7 +3611,7 @@
               </a:rPr>
               <a:t>] </a:t>
             </a:r>
-            <a:r xmlns:a="http://schemas.openxmlformats.org/drawingml/2006/main">
+            <a:r>
               <a:rPr lang="en" dirty="0">
                 <a:solidFill>
                   <a:srgbClr val="000000"/>
@@ -3622,7 +3622,7 @@
             </a:r>
           </a:p>
           <a:p>
-            <a:r xmlns:a="http://schemas.openxmlformats.org/drawingml/2006/main">
+            <a:r>
               <a:rPr lang="en" dirty="0">
                 <a:solidFill>
                   <a:srgbClr val="000000"/>
@@ -3631,7 +3631,7 @@
               </a:rPr>
               <a:t>/ </a:t>
             </a:r>
-            <a:r xmlns:a="http://schemas.openxmlformats.org/drawingml/2006/main">
+            <a:r>
               <a:rPr lang="en" dirty="0" err="1">
                 <a:solidFill>
                   <a:srgbClr val="001080"/>
@@ -3640,7 +3640,7 @@
               </a:rPr>
               <a:t>FactInternetSales </a:t>
             </a:r>
-            <a:r xmlns:a="http://schemas.openxmlformats.org/drawingml/2006/main">
+            <a:r>
               <a:rPr lang="en" dirty="0">
                 <a:solidFill>
                   <a:srgbClr val="001080"/>
@@ -3649,7 +3649,7 @@
               </a:rPr>
               <a:t>[ </a:t>
             </a:r>
-            <a:r xmlns:a="http://schemas.openxmlformats.org/drawingml/2006/main">
+            <a:r>
               <a:rPr lang="en" dirty="0" err="1">
                 <a:solidFill>
                   <a:srgbClr val="001080"/>
@@ -3658,7 +3658,7 @@
               </a:rPr>
               <a:t>ProductStandardCost </a:t>
             </a:r>
-            <a:r xmlns:a="http://schemas.openxmlformats.org/drawingml/2006/main">
+            <a:r>
               <a:rPr lang="en" dirty="0">
                 <a:solidFill>
                   <a:srgbClr val="001080"/>
@@ -3667,7 +3667,7 @@
               </a:rPr>
               <a:t>]</a:t>
             </a:r>
-            <a:endParaRPr xmlns:a="http://schemas.openxmlformats.org/drawingml/2006/main" lang="en-US" b="0" dirty="0">
+            <a:endParaRPr lang="en-US" b="0" dirty="0">
               <a:solidFill>
                 <a:srgbClr val="000000"/>
               </a:solidFill>
@@ -3698,7 +3698,7 @@
           </a:bodyPr>
           <a:lstStyle/>
           <a:p>
-            <a:r xmlns:a="http://schemas.openxmlformats.org/drawingml/2006/main">
+            <a:r>
               <a:rPr lang="en" dirty="0">
                 <a:solidFill>
                   <a:srgbClr val="000000"/>
@@ -3709,7 +3709,7 @@
             </a:r>
           </a:p>
           <a:p>
-            <a:r xmlns:a="http://schemas.openxmlformats.org/drawingml/2006/main">
+            <a:r>
               <a:rPr lang="en" dirty="0">
                 <a:solidFill>
                   <a:srgbClr val="000000"/>
@@ -3718,7 +3718,7 @@
               </a:rPr>
               <a:t>( </a:t>
             </a:r>
-            <a:r xmlns:a="http://schemas.openxmlformats.org/drawingml/2006/main">
+            <a:r>
               <a:rPr lang="en" dirty="0" err="1">
                 <a:solidFill>
                   <a:srgbClr val="001080"/>
@@ -3727,7 +3727,7 @@
               </a:rPr>
               <a:t>FactInternetSales </a:t>
             </a:r>
-            <a:r xmlns:a="http://schemas.openxmlformats.org/drawingml/2006/main">
+            <a:r>
               <a:rPr lang="en" dirty="0">
                 <a:solidFill>
                   <a:srgbClr val="001080"/>
@@ -3736,7 +3736,7 @@
               </a:rPr>
               <a:t>[ </a:t>
             </a:r>
-            <a:r xmlns:a="http://schemas.openxmlformats.org/drawingml/2006/main">
+            <a:r>
               <a:rPr lang="en" dirty="0" err="1">
                 <a:solidFill>
                   <a:srgbClr val="001080"/>
@@ -3745,7 +3745,7 @@
               </a:rPr>
               <a:t>UnitPrice </a:t>
             </a:r>
-            <a:r xmlns:a="http://schemas.openxmlformats.org/drawingml/2006/main">
+            <a:r>
               <a:rPr lang="en" dirty="0">
                 <a:solidFill>
                   <a:srgbClr val="001080"/>
@@ -3754,7 +3754,7 @@
               </a:rPr>
               <a:t>]</a:t>
             </a:r>
-            <a:r xmlns:a="http://schemas.openxmlformats.org/drawingml/2006/main">
+            <a:r>
               <a:rPr lang="en" dirty="0">
                 <a:solidFill>
                   <a:srgbClr val="000000"/>
@@ -3763,7 +3763,7 @@
               </a:rPr>
               <a:t> </a:t>
             </a:r>
-            <a:r xmlns:a="http://schemas.openxmlformats.org/drawingml/2006/main">
+            <a:r>
               <a:rPr lang="en" dirty="0" smtClean="0">
                 <a:solidFill>
                   <a:srgbClr val="3165BB"/>
@@ -3772,7 +3772,7 @@
               </a:rPr>
               <a:t>INT </a:t>
             </a:r>
-            <a:r xmlns:a="http://schemas.openxmlformats.org/drawingml/2006/main">
+            <a:r>
               <a:rPr lang="en" dirty="0" smtClean="0">
                 <a:solidFill>
                   <a:srgbClr val="000000"/>
@@ -3781,7 +3781,7 @@
               </a:rPr>
               <a:t>( </a:t>
             </a:r>
-            <a:r xmlns:a="http://schemas.openxmlformats.org/drawingml/2006/main">
+            <a:r>
               <a:rPr lang="en" dirty="0" err="1" smtClean="0">
                 <a:solidFill>
                   <a:srgbClr val="001080"/>
@@ -3790,7 +3790,7 @@
               </a:rPr>
               <a:t>FactInternetSales </a:t>
             </a:r>
-            <a:r xmlns:a="http://schemas.openxmlformats.org/drawingml/2006/main">
+            <a:r>
               <a:rPr lang="en" dirty="0" smtClean="0">
                 <a:solidFill>
                   <a:srgbClr val="001080"/>
@@ -3799,7 +3799,7 @@
               </a:rPr>
               <a:t>[ </a:t>
             </a:r>
-            <a:r xmlns:a="http://schemas.openxmlformats.org/drawingml/2006/main">
+            <a:r>
               <a:rPr lang="en" dirty="0" err="1" smtClean="0">
                 <a:solidFill>
                   <a:srgbClr val="001080"/>
@@ -3808,7 +3808,7 @@
               </a:rPr>
               <a:t>ProductStandardCost </a:t>
             </a:r>
-            <a:r xmlns:a="http://schemas.openxmlformats.org/drawingml/2006/main">
+            <a:r>
               <a:rPr lang="en" dirty="0">
                 <a:solidFill>
                   <a:srgbClr val="001080"/>
@@ -3817,7 +3817,7 @@
               </a:rPr>
               <a:t>] </a:t>
             </a:r>
-            <a:r xmlns:a="http://schemas.openxmlformats.org/drawingml/2006/main">
+            <a:r>
               <a:rPr lang="en" dirty="0">
                 <a:solidFill>
                   <a:srgbClr val="000000"/>
@@ -3828,7 +3828,7 @@
             </a:r>
           </a:p>
           <a:p>
-            <a:r xmlns:a="http://schemas.openxmlformats.org/drawingml/2006/main">
+            <a:r>
               <a:rPr lang="en" dirty="0">
                 <a:solidFill>
                   <a:srgbClr val="000000"/>
@@ -3837,7 +3837,7 @@
               </a:rPr>
               <a:t>/ </a:t>
             </a:r>
-            <a:r xmlns:a="http://schemas.openxmlformats.org/drawingml/2006/main">
+            <a:r>
               <a:rPr lang="en" dirty="0">
                 <a:solidFill>
                   <a:srgbClr val="3165BB"/>
@@ -3846,7 +3846,7 @@
               </a:rPr>
               <a:t>INT </a:t>
             </a:r>
-            <a:r xmlns:a="http://schemas.openxmlformats.org/drawingml/2006/main">
+            <a:r>
               <a:rPr lang="en" dirty="0">
                 <a:solidFill>
                   <a:srgbClr val="000000"/>
@@ -3855,7 +3855,7 @@
               </a:rPr>
               <a:t>( </a:t>
             </a:r>
-            <a:r xmlns:a="http://schemas.openxmlformats.org/drawingml/2006/main">
+            <a:r>
               <a:rPr lang="en" dirty="0" err="1">
                 <a:solidFill>
                   <a:srgbClr val="001080"/>
@@ -3864,7 +3864,7 @@
               </a:rPr>
               <a:t>FactInternetSales </a:t>
             </a:r>
-            <a:r xmlns:a="http://schemas.openxmlformats.org/drawingml/2006/main">
+            <a:r>
               <a:rPr lang="en" dirty="0">
                 <a:solidFill>
                   <a:srgbClr val="001080"/>
@@ -3873,7 +3873,7 @@
               </a:rPr>
               <a:t>[ </a:t>
             </a:r>
-            <a:r xmlns:a="http://schemas.openxmlformats.org/drawingml/2006/main">
+            <a:r>
               <a:rPr lang="en" dirty="0" err="1">
                 <a:solidFill>
                   <a:srgbClr val="001080"/>
@@ -3882,7 +3882,7 @@
               </a:rPr>
               <a:t>ProductStandardCost </a:t>
             </a:r>
-            <a:r xmlns:a="http://schemas.openxmlformats.org/drawingml/2006/main">
+            <a:r>
               <a:rPr lang="en" dirty="0">
                 <a:solidFill>
                   <a:srgbClr val="001080"/>
@@ -3891,7 +3891,7 @@
               </a:rPr>
               <a:t>] </a:t>
             </a:r>
-            <a:r xmlns:a="http://schemas.openxmlformats.org/drawingml/2006/main">
+            <a:r>
               <a:rPr lang="en" dirty="0">
                 <a:solidFill>
                   <a:srgbClr val="000000"/>
@@ -3900,7 +3900,7 @@
               </a:rPr>
               <a:t>)</a:t>
             </a:r>
-            <a:endParaRPr xmlns:a="http://schemas.openxmlformats.org/drawingml/2006/main" lang="en-US" b="0" dirty="0">
+            <a:endParaRPr lang="en-US" b="0" dirty="0">
               <a:solidFill>
                 <a:srgbClr val="000000"/>
               </a:solidFill>
@@ -3998,31 +3998,27 @@
           </a:bodyPr>
           <a:lstStyle/>
           <a:p>
-            <a:r xmlns:a="http://schemas.openxmlformats.org/drawingml/2006/main">
+            <a:r>
               <a:rPr lang="en" sz="2000" b="1" dirty="0"/>
               <a:t>Note: </a:t>
             </a:r>
-            <a:r xmlns:a="http://schemas.openxmlformats.org/drawingml/2006/main">
+            <a:r>
               <a:rPr lang="en" sz="2000" dirty="0"/>
               <a:t>This demo uses the </a:t>
             </a:r>
-            <a:r xmlns:a="http://schemas.openxmlformats.org/drawingml/2006/main">
+            <a:r>
               <a:rPr lang="en" sz="2000" b="1" dirty="0" err="1"/>
               <a:t>FactInternetSales table from the </a:t>
             </a:r>
-            <a:r xmlns:a="http://schemas.openxmlformats.org/drawingml/2006/main">
+            <a:r>
               <a:rPr lang="en" sz="2000" b="1" dirty="0"/>
               <a:t>Adventureworks2016 </a:t>
             </a:r>
-            <a:r xmlns:a="http://schemas.openxmlformats.org/drawingml/2006/main">
+            <a:r>
               <a:rPr lang="en" sz="2000" dirty="0"/>
-              <a:t>database </a:t>
-            </a:r>
-            <a:r xmlns:a="http://schemas.openxmlformats.org/drawingml/2006/main">
-              <a:rPr lang="en" sz="2000" dirty="0"/>
-              <a:t>.</a:t>
-            </a:r>
-            <a:endParaRPr xmlns:a="http://schemas.openxmlformats.org/drawingml/2006/main" lang="en-US" sz="2000" dirty="0"/>
+              <a:t>database .</a:t>
+            </a:r>
+            <a:endParaRPr lang="en-US" sz="2000" dirty="0"/>
           </a:p>
         </p:txBody>
       </p:sp>
@@ -4047,11 +4043,11 @@
           </a:bodyPr>
           <a:lstStyle/>
           <a:p>
-            <a:r xmlns:a="http://schemas.openxmlformats.org/drawingml/2006/main">
+            <a:r>
               <a:rPr lang="en" sz="2000" dirty="0"/>
               <a:t>Start by creating a calculated column that calculates the profit margin.</a:t>
             </a:r>
-            <a:endParaRPr xmlns:a="http://schemas.openxmlformats.org/drawingml/2006/main" lang="en-US" sz="2000" dirty="0"/>
+            <a:endParaRPr lang="en-US" sz="2000" dirty="0"/>
           </a:p>
         </p:txBody>
       </p:sp>
@@ -4076,11 +4072,11 @@
           </a:bodyPr>
           <a:lstStyle/>
           <a:p>
-            <a:r xmlns:a="http://schemas.openxmlformats.org/drawingml/2006/main">
+            <a:r>
               <a:rPr lang="en" sz="2000" dirty="0"/>
               <a:t>Note that among the values mentioned there are infinity symbols.</a:t>
             </a:r>
-            <a:endParaRPr xmlns:a="http://schemas.openxmlformats.org/drawingml/2006/main" lang="en-US" sz="2000" dirty="0"/>
+            <a:endParaRPr lang="en-US" sz="2000" dirty="0"/>
           </a:p>
         </p:txBody>
       </p:sp>
@@ -4143,7 +4139,7 @@
           </a:bodyPr>
           <a:lstStyle/>
           <a:p>
-            <a:pPr xmlns:a="http://schemas.openxmlformats.org/drawingml/2006/main" marL="0" marR="0" lvl="0" indent="0" algn="l" defTabSz="914400" rtl="0" eaLnBrk="0" fontAlgn="base" latinLnBrk="0" hangingPunct="0">
+            <a:pPr marL="0" marR="0" lvl="0" indent="0" algn="l" defTabSz="914400" rtl="0" eaLnBrk="0" fontAlgn="base" latinLnBrk="0" hangingPunct="0">
               <a:lnSpc>
                 <a:spcPct val="100000"/>
               </a:lnSpc>
@@ -4159,7 +4155,7 @@
               <a:buNone/>
               <a:tabLst/>
             </a:pPr>
-            <a:r xmlns:a="http://schemas.openxmlformats.org/drawingml/2006/main">
+            <a:r>
               <a:rPr kumimoji="0" lang="en" altLang="en-US" sz="1800" b="0" i="0" u="none" strike="noStrike" cap="none" normalizeH="0" baseline="0" smtClean="0">
                 <a:ln>
                   <a:noFill/>
@@ -4227,14 +4223,14 @@
           </a:bodyPr>
           <a:lstStyle/>
           <a:p>
-            <a:r xmlns:a="http://schemas.openxmlformats.org/drawingml/2006/main">
+            <a:r>
               <a:rPr lang="en" sz="2000" b="1" dirty="0" smtClean="0">
                 <a:latin typeface="Segoe UI" panose="020B0502040204020203" pitchFamily="34" charset="0"/>
                 <a:cs typeface="Segoe UI" panose="020B0502040204020203" pitchFamily="34" charset="0"/>
               </a:rPr>
               <a:t>IFFERROR</a:t>
             </a:r>
-            <a:endParaRPr xmlns:a="http://schemas.openxmlformats.org/drawingml/2006/main" lang="en-US" sz="2000" b="1" dirty="0">
+            <a:endParaRPr lang="en-US" sz="2000" b="1" dirty="0">
               <a:latin typeface="Segoe UI" panose="020B0502040204020203" pitchFamily="34" charset="0"/>
               <a:cs typeface="Segoe UI" panose="020B0502040204020203" pitchFamily="34" charset="0"/>
             </a:endParaRPr>
@@ -4262,7 +4258,7 @@
           </a:bodyPr>
           <a:lstStyle/>
           <a:p>
-            <a:r xmlns:a="http://schemas.openxmlformats.org/drawingml/2006/main">
+            <a:r>
               <a:rPr lang="en" dirty="0">
                 <a:solidFill>
                   <a:srgbClr val="000000"/>
@@ -4271,7 +4267,7 @@
               </a:rPr>
               <a:t>Profit Margin = </a:t>
             </a:r>
-            <a:r xmlns:a="http://schemas.openxmlformats.org/drawingml/2006/main">
+            <a:r>
               <a:rPr lang="en" dirty="0">
                 <a:solidFill>
                   <a:srgbClr val="3165BB"/>
@@ -4280,7 +4276,7 @@
               </a:rPr>
               <a:t>IFERROR </a:t>
             </a:r>
-            <a:r xmlns:a="http://schemas.openxmlformats.org/drawingml/2006/main">
+            <a:r>
               <a:rPr lang="en" dirty="0">
                 <a:solidFill>
                   <a:srgbClr val="000000"/>
@@ -4291,7 +4287,7 @@
             </a:r>
           </a:p>
           <a:p>
-            <a:r xmlns:a="http://schemas.openxmlformats.org/drawingml/2006/main">
+            <a:r>
               <a:rPr lang="en" dirty="0">
                 <a:solidFill>
                   <a:srgbClr val="000000"/>
@@ -4300,7 +4296,7 @@
               </a:rPr>
               <a:t>( </a:t>
             </a:r>
-            <a:r xmlns:a="http://schemas.openxmlformats.org/drawingml/2006/main">
+            <a:r>
               <a:rPr lang="en" dirty="0" err="1">
                 <a:solidFill>
                   <a:srgbClr val="000000"/>
@@ -4309,7 +4305,7 @@
               </a:rPr>
               <a:t>FactInternetSales </a:t>
             </a:r>
-            <a:r xmlns:a="http://schemas.openxmlformats.org/drawingml/2006/main">
+            <a:r>
               <a:rPr lang="en" dirty="0">
                 <a:solidFill>
                   <a:srgbClr val="000000"/>
@@ -4318,7 +4314,7 @@
               </a:rPr>
               <a:t>[ </a:t>
             </a:r>
-            <a:r xmlns:a="http://schemas.openxmlformats.org/drawingml/2006/main">
+            <a:r>
               <a:rPr lang="en" dirty="0" err="1">
                 <a:solidFill>
                   <a:srgbClr val="000000"/>
@@ -4327,7 +4323,7 @@
               </a:rPr>
               <a:t>UnitPrice </a:t>
             </a:r>
-            <a:r xmlns:a="http://schemas.openxmlformats.org/drawingml/2006/main">
+            <a:r>
               <a:rPr lang="en" dirty="0">
                 <a:solidFill>
                   <a:srgbClr val="000000"/>
@@ -4336,7 +4332,7 @@
               </a:rPr>
               <a:t>] - </a:t>
             </a:r>
-            <a:r xmlns:a="http://schemas.openxmlformats.org/drawingml/2006/main">
+            <a:r>
               <a:rPr lang="en" dirty="0">
                 <a:solidFill>
                   <a:srgbClr val="3165BB"/>
@@ -4345,7 +4341,7 @@
               </a:rPr>
               <a:t>INT </a:t>
             </a:r>
-            <a:r xmlns:a="http://schemas.openxmlformats.org/drawingml/2006/main">
+            <a:r>
               <a:rPr lang="en" dirty="0">
                 <a:solidFill>
                   <a:srgbClr val="000000"/>
@@ -4354,7 +4350,7 @@
               </a:rPr>
               <a:t>( </a:t>
             </a:r>
-            <a:r xmlns:a="http://schemas.openxmlformats.org/drawingml/2006/main">
+            <a:r>
               <a:rPr lang="en" dirty="0" err="1">
                 <a:solidFill>
                   <a:srgbClr val="000000"/>
@@ -4363,7 +4359,7 @@
               </a:rPr>
               <a:t>FactInternetSales </a:t>
             </a:r>
-            <a:r xmlns:a="http://schemas.openxmlformats.org/drawingml/2006/main">
+            <a:r>
               <a:rPr lang="en" dirty="0">
                 <a:solidFill>
                   <a:srgbClr val="000000"/>
@@ -4372,7 +4368,7 @@
               </a:rPr>
               <a:t>[ </a:t>
             </a:r>
-            <a:r xmlns:a="http://schemas.openxmlformats.org/drawingml/2006/main">
+            <a:r>
               <a:rPr lang="en" dirty="0" err="1">
                 <a:solidFill>
                   <a:srgbClr val="000000"/>
@@ -4381,7 +4377,7 @@
               </a:rPr>
               <a:t>ProductStandardCost </a:t>
             </a:r>
-            <a:r xmlns:a="http://schemas.openxmlformats.org/drawingml/2006/main">
+            <a:r>
               <a:rPr lang="en" dirty="0">
                 <a:solidFill>
                   <a:srgbClr val="000000"/>
@@ -4392,7 +4388,7 @@
             </a:r>
           </a:p>
           <a:p>
-            <a:r xmlns:a="http://schemas.openxmlformats.org/drawingml/2006/main">
+            <a:r>
               <a:rPr lang="en" dirty="0">
                 <a:solidFill>
                   <a:srgbClr val="000000"/>
@@ -4401,7 +4397,7 @@
               </a:rPr>
               <a:t>/ </a:t>
             </a:r>
-            <a:r xmlns:a="http://schemas.openxmlformats.org/drawingml/2006/main">
+            <a:r>
               <a:rPr lang="en" dirty="0">
                 <a:solidFill>
                   <a:srgbClr val="3165BB"/>
@@ -4410,7 +4406,7 @@
               </a:rPr>
               <a:t>INT </a:t>
             </a:r>
-            <a:r xmlns:a="http://schemas.openxmlformats.org/drawingml/2006/main">
+            <a:r>
               <a:rPr lang="en" dirty="0">
                 <a:solidFill>
                   <a:srgbClr val="000000"/>
@@ -4419,7 +4415,7 @@
               </a:rPr>
               <a:t>( </a:t>
             </a:r>
-            <a:r xmlns:a="http://schemas.openxmlformats.org/drawingml/2006/main">
+            <a:r>
               <a:rPr lang="en" dirty="0" err="1">
                 <a:solidFill>
                   <a:srgbClr val="000000"/>
@@ -4428,7 +4424,7 @@
               </a:rPr>
               <a:t>FactInternetSales </a:t>
             </a:r>
-            <a:r xmlns:a="http://schemas.openxmlformats.org/drawingml/2006/main">
+            <a:r>
               <a:rPr lang="en" dirty="0">
                 <a:solidFill>
                   <a:srgbClr val="000000"/>
@@ -4437,7 +4433,7 @@
               </a:rPr>
               <a:t>[ </a:t>
             </a:r>
-            <a:r xmlns:a="http://schemas.openxmlformats.org/drawingml/2006/main">
+            <a:r>
               <a:rPr lang="en" dirty="0" err="1">
                 <a:solidFill>
                   <a:srgbClr val="000000"/>
@@ -4446,7 +4442,7 @@
               </a:rPr>
               <a:t>ProductStandardCost </a:t>
             </a:r>
-            <a:r xmlns:a="http://schemas.openxmlformats.org/drawingml/2006/main">
+            <a:r>
               <a:rPr lang="en" dirty="0">
                 <a:solidFill>
                   <a:srgbClr val="000000"/>
@@ -4455,7 +4451,7 @@
               </a:rPr>
               <a:t>]), </a:t>
             </a:r>
-            <a:r xmlns:a="http://schemas.openxmlformats.org/drawingml/2006/main">
+            <a:r>
               <a:rPr lang="en" dirty="0">
                 <a:solidFill>
                   <a:srgbClr val="098658"/>
@@ -4464,7 +4460,7 @@
               </a:rPr>
               <a:t>-1 </a:t>
             </a:r>
-            <a:r xmlns:a="http://schemas.openxmlformats.org/drawingml/2006/main">
+            <a:r>
               <a:rPr lang="en" dirty="0">
                 <a:solidFill>
                   <a:srgbClr val="000000"/>
@@ -4473,7 +4469,7 @@
               </a:rPr>
               <a:t>)</a:t>
             </a:r>
-            <a:endParaRPr xmlns:a="http://schemas.openxmlformats.org/drawingml/2006/main" lang="en-US" b="0" dirty="0">
+            <a:endParaRPr lang="en-US" b="0" dirty="0">
               <a:solidFill>
                 <a:srgbClr val="000000"/>
               </a:solidFill>
@@ -4538,19 +4534,19 @@
           </a:bodyPr>
           <a:lstStyle/>
           <a:p>
-            <a:r xmlns:a="http://schemas.openxmlformats.org/drawingml/2006/main">
+            <a:r>
               <a:rPr lang="en" sz="2000" dirty="0"/>
               <a:t>Try putting the whole expression into an </a:t>
             </a:r>
-            <a:r xmlns:a="http://schemas.openxmlformats.org/drawingml/2006/main">
+            <a:r>
               <a:rPr lang="en" sz="2000" b="1" dirty="0"/>
               <a:t>IFERROR function </a:t>
             </a:r>
-            <a:r xmlns:a="http://schemas.openxmlformats.org/drawingml/2006/main">
+            <a:r>
               <a:rPr lang="en" sz="2000" dirty="0"/>
               <a:t>, indicating that the value represented when divided by 0 is -1.</a:t>
             </a:r>
-            <a:endParaRPr xmlns:a="http://schemas.openxmlformats.org/drawingml/2006/main" lang="en-US" sz="2000" dirty="0"/>
+            <a:endParaRPr lang="en-US" sz="2000" dirty="0"/>
           </a:p>
         </p:txBody>
       </p:sp>
@@ -4575,11 +4571,11 @@
           </a:bodyPr>
           <a:lstStyle/>
           <a:p>
-            <a:r xmlns:a="http://schemas.openxmlformats.org/drawingml/2006/main">
+            <a:r>
               <a:rPr lang="en" sz="2000" dirty="0"/>
               <a:t>Notice that the infinity value is replaced by -1.</a:t>
             </a:r>
-            <a:endParaRPr xmlns:a="http://schemas.openxmlformats.org/drawingml/2006/main" lang="en-US" sz="2000" dirty="0"/>
+            <a:endParaRPr lang="en-US" sz="2000" dirty="0"/>
           </a:p>
         </p:txBody>
       </p:sp>
@@ -4668,8 +4664,8 @@
         </p:nvSpPr>
         <p:spPr>
           <a:xfrm>
-            <a:off x="4265221" y="2354344"/>
-            <a:ext cx="3456395" cy="1569660"/>
+            <a:off x="3074243" y="2359989"/>
+            <a:ext cx="6230360" cy="1569660"/>
           </a:xfrm>
           <a:prstGeom prst="rect">
             <a:avLst/>
@@ -4682,8 +4678,8 @@
           </a:bodyPr>
           <a:lstStyle/>
           <a:p>
-            <a:r xmlns:a="http://schemas.openxmlformats.org/drawingml/2006/main">
-              <a:rPr lang="en" sz="9600" b="1" dirty="0" smtClean="0">
+            <a:r>
+              <a:rPr lang="en-US" sz="9600" b="1" dirty="0" smtClean="0">
                 <a:solidFill>
                   <a:srgbClr val="7030A0"/>
                 </a:solidFill>
@@ -4691,9 +4687,9 @@
                 <a:ea typeface="Verdana" panose="020B0604030504040204" pitchFamily="34" charset="0"/>
                 <a:cs typeface="Segoe UI" panose="020B0502040204020203" pitchFamily="34" charset="0"/>
               </a:rPr>
-              <a:t>THANKS</a:t>
-            </a:r>
-            <a:endParaRPr xmlns:a="http://schemas.openxmlformats.org/drawingml/2006/main" lang="en-US" sz="9600" b="1" dirty="0">
+              <a:t>Thank you</a:t>
+            </a:r>
+            <a:endParaRPr lang="en-US" sz="9600" b="1" dirty="0">
               <a:solidFill>
                 <a:srgbClr val="7030A0"/>
               </a:solidFill>
@@ -4712,8 +4708,8 @@
         </p:nvSpPr>
         <p:spPr>
           <a:xfrm>
-            <a:off x="4209535" y="2302528"/>
-            <a:ext cx="3456395" cy="1569660"/>
+            <a:off x="3018557" y="2308173"/>
+            <a:ext cx="6230360" cy="1569660"/>
           </a:xfrm>
           <a:prstGeom prst="rect">
             <a:avLst/>
@@ -4726,8 +4722,8 @@
           </a:bodyPr>
           <a:lstStyle/>
           <a:p>
-            <a:r xmlns:a="http://schemas.openxmlformats.org/drawingml/2006/main">
-              <a:rPr lang="en" sz="9600" b="1" dirty="0" smtClean="0">
+            <a:r>
+              <a:rPr lang="en-US" sz="9600" b="1" dirty="0" smtClean="0">
                 <a:solidFill>
                   <a:schemeClr val="bg1"/>
                 </a:solidFill>
@@ -4735,9 +4731,9 @@
                 <a:ea typeface="Verdana" panose="020B0604030504040204" pitchFamily="34" charset="0"/>
                 <a:cs typeface="Segoe UI" panose="020B0502040204020203" pitchFamily="34" charset="0"/>
               </a:rPr>
-              <a:t>THANKS</a:t>
-            </a:r>
-            <a:endParaRPr xmlns:a="http://schemas.openxmlformats.org/drawingml/2006/main" lang="en-US" sz="9600" b="1" dirty="0">
+              <a:t>Thank you</a:t>
+            </a:r>
+            <a:endParaRPr lang="en-US" sz="9600" b="1" dirty="0">
               <a:solidFill>
                 <a:schemeClr val="bg1"/>
               </a:solidFill>

--- a/English/5.DAX/4.IFFERROR.pptx
+++ b/English/5.DAX/4.IFFERROR.pptx
@@ -200,7 +200,7 @@
           <a:p>
             <a:fld id="{056BA3B8-9F76-4D81-B71D-76CB85363062}" type="datetimeFigureOut">
               <a:rPr lang="en-US" smtClean="0"/>
-              <a:t>4/3/2025</a:t>
+              <a:t>4/7/2025</a:t>
             </a:fld>
             <a:endParaRPr lang="en-US"/>
           </a:p>
@@ -599,7 +599,7 @@
           <a:p>
             <a:fld id="{6F01DA4D-20EA-48D2-973C-0311EC3005D6}" type="datetimeFigureOut">
               <a:rPr lang="en-US" smtClean="0"/>
-              <a:t>4/3/2025</a:t>
+              <a:t>4/7/2025</a:t>
             </a:fld>
             <a:endParaRPr lang="en-US"/>
           </a:p>
@@ -769,7 +769,7 @@
           <a:p>
             <a:fld id="{6F01DA4D-20EA-48D2-973C-0311EC3005D6}" type="datetimeFigureOut">
               <a:rPr lang="en-US" smtClean="0"/>
-              <a:t>4/3/2025</a:t>
+              <a:t>4/7/2025</a:t>
             </a:fld>
             <a:endParaRPr lang="en-US"/>
           </a:p>
@@ -949,7 +949,7 @@
           <a:p>
             <a:fld id="{6F01DA4D-20EA-48D2-973C-0311EC3005D6}" type="datetimeFigureOut">
               <a:rPr lang="en-US" smtClean="0"/>
-              <a:t>4/3/2025</a:t>
+              <a:t>4/7/2025</a:t>
             </a:fld>
             <a:endParaRPr lang="en-US"/>
           </a:p>
@@ -1119,7 +1119,7 @@
           <a:p>
             <a:fld id="{6F01DA4D-20EA-48D2-973C-0311EC3005D6}" type="datetimeFigureOut">
               <a:rPr lang="en-US" smtClean="0"/>
-              <a:t>4/3/2025</a:t>
+              <a:t>4/7/2025</a:t>
             </a:fld>
             <a:endParaRPr lang="en-US"/>
           </a:p>
@@ -1365,7 +1365,7 @@
           <a:p>
             <a:fld id="{6F01DA4D-20EA-48D2-973C-0311EC3005D6}" type="datetimeFigureOut">
               <a:rPr lang="en-US" smtClean="0"/>
-              <a:t>4/3/2025</a:t>
+              <a:t>4/7/2025</a:t>
             </a:fld>
             <a:endParaRPr lang="en-US"/>
           </a:p>
@@ -1597,7 +1597,7 @@
           <a:p>
             <a:fld id="{6F01DA4D-20EA-48D2-973C-0311EC3005D6}" type="datetimeFigureOut">
               <a:rPr lang="en-US" smtClean="0"/>
-              <a:t>4/3/2025</a:t>
+              <a:t>4/7/2025</a:t>
             </a:fld>
             <a:endParaRPr lang="en-US"/>
           </a:p>
@@ -1964,7 +1964,7 @@
           <a:p>
             <a:fld id="{6F01DA4D-20EA-48D2-973C-0311EC3005D6}" type="datetimeFigureOut">
               <a:rPr lang="en-US" smtClean="0"/>
-              <a:t>4/3/2025</a:t>
+              <a:t>4/7/2025</a:t>
             </a:fld>
             <a:endParaRPr lang="en-US"/>
           </a:p>
@@ -2082,7 +2082,7 @@
           <a:p>
             <a:fld id="{6F01DA4D-20EA-48D2-973C-0311EC3005D6}" type="datetimeFigureOut">
               <a:rPr lang="en-US" smtClean="0"/>
-              <a:t>4/3/2025</a:t>
+              <a:t>4/7/2025</a:t>
             </a:fld>
             <a:endParaRPr lang="en-US"/>
           </a:p>
@@ -2177,7 +2177,7 @@
           <a:p>
             <a:fld id="{6F01DA4D-20EA-48D2-973C-0311EC3005D6}" type="datetimeFigureOut">
               <a:rPr lang="en-US" smtClean="0"/>
-              <a:t>4/3/2025</a:t>
+              <a:t>4/7/2025</a:t>
             </a:fld>
             <a:endParaRPr lang="en-US"/>
           </a:p>
@@ -2454,7 +2454,7 @@
           <a:p>
             <a:fld id="{6F01DA4D-20EA-48D2-973C-0311EC3005D6}" type="datetimeFigureOut">
               <a:rPr lang="en-US" smtClean="0"/>
-              <a:t>4/3/2025</a:t>
+              <a:t>4/7/2025</a:t>
             </a:fld>
             <a:endParaRPr lang="en-US"/>
           </a:p>
@@ -2707,7 +2707,7 @@
           <a:p>
             <a:fld id="{6F01DA4D-20EA-48D2-973C-0311EC3005D6}" type="datetimeFigureOut">
               <a:rPr lang="en-US" smtClean="0"/>
-              <a:t>4/3/2025</a:t>
+              <a:t>4/7/2025</a:t>
             </a:fld>
             <a:endParaRPr lang="en-US"/>
           </a:p>
@@ -2920,7 +2920,7 @@
           <a:p>
             <a:fld id="{6F01DA4D-20EA-48D2-973C-0311EC3005D6}" type="datetimeFigureOut">
               <a:rPr lang="en-US" smtClean="0"/>
-              <a:t>4/3/2025</a:t>
+              <a:t>4/7/2025</a:t>
             </a:fld>
             <a:endParaRPr lang="en-US"/>
           </a:p>
